--- a/angularjs/slides/06_Testing.pptx
+++ b/angularjs/slides/06_Testing.pptx
@@ -5,14 +5,23 @@
     <p:sldMasterId id="2147483772" r:id="rId1"/>
   </p:sldMasterIdLst>
   <p:notesMasterIdLst>
-    <p:notesMasterId r:id="rId4"/>
+    <p:notesMasterId r:id="rId13"/>
   </p:notesMasterIdLst>
   <p:handoutMasterIdLst>
-    <p:handoutMasterId r:id="rId5"/>
+    <p:handoutMasterId r:id="rId14"/>
   </p:handoutMasterIdLst>
   <p:sldIdLst>
     <p:sldId id="327" r:id="rId2"/>
-    <p:sldId id="345" r:id="rId3"/>
+    <p:sldId id="346" r:id="rId3"/>
+    <p:sldId id="347" r:id="rId4"/>
+    <p:sldId id="353" r:id="rId5"/>
+    <p:sldId id="354" r:id="rId6"/>
+    <p:sldId id="355" r:id="rId7"/>
+    <p:sldId id="356" r:id="rId8"/>
+    <p:sldId id="357" r:id="rId9"/>
+    <p:sldId id="358" r:id="rId10"/>
+    <p:sldId id="359" r:id="rId11"/>
+    <p:sldId id="345" r:id="rId12"/>
   </p:sldIdLst>
   <p:sldSz cx="9144000" cy="6858000" type="screen4x3"/>
   <p:notesSz cx="7302500" cy="9588500"/>
@@ -265,7 +274,7 @@
               <a:pPr>
                 <a:defRPr/>
               </a:pPr>
-              <a:t>11/24/2013</a:t>
+              <a:t>11/29/2013</a:t>
             </a:fld>
             <a:endParaRPr lang="en-US"/>
           </a:p>
@@ -2430,7 +2439,6 @@
               <a:rPr lang="en-US" dirty="0" smtClean="0"/>
               <a:t>Testing</a:t>
             </a:r>
-            <a:endParaRPr lang="en-US" dirty="0" smtClean="0"/>
           </a:p>
         </p:txBody>
       </p:sp>
@@ -2452,25 +2460,16 @@
             <a:pPr defTabSz="914400" eaLnBrk="1" hangingPunct="1"/>
             <a:r>
               <a:rPr lang="en-US" dirty="0" smtClean="0"/>
-              <a:t>e</a:t>
-            </a:r>
-            <a:r>
-              <a:rPr lang="en-US" dirty="0" smtClean="0"/>
-              <a:t>xpect(angular).</a:t>
+              <a:t>expect(angular).</a:t>
             </a:r>
             <a:r>
               <a:rPr lang="en-US" dirty="0" err="1" smtClean="0"/>
-              <a:t>t</a:t>
-            </a:r>
-            <a:r>
-              <a:rPr lang="en-US" dirty="0" err="1" smtClean="0"/>
-              <a:t>oBe</a:t>
+              <a:t>toBe</a:t>
             </a:r>
             <a:r>
               <a:rPr lang="en-US" dirty="0" smtClean="0"/>
               <a:t>(testable)</a:t>
             </a:r>
-            <a:endParaRPr lang="en-US" dirty="0" smtClean="0"/>
           </a:p>
         </p:txBody>
       </p:sp>
@@ -2533,7 +2532,7 @@
 </p:sld>
 </file>
 
-<file path=ppt/slides/slide2.xml><?xml version="1.0" encoding="utf-8"?>
+<file path=ppt/slides/slide10.xml><?xml version="1.0" encoding="utf-8"?>
 <p:sld xmlns:a="http://schemas.openxmlformats.org/drawingml/2006/main" xmlns:r="http://schemas.openxmlformats.org/officeDocument/2006/relationships" xmlns:p="http://schemas.openxmlformats.org/presentationml/2006/main">
   <p:cSld>
     <p:spTree>
@@ -2567,7 +2566,7 @@
           <a:p>
             <a:r>
               <a:rPr lang="en-US" dirty="0" smtClean="0"/>
-              <a:t>Summary</a:t>
+              <a:t>Expectations</a:t>
             </a:r>
             <a:endParaRPr lang="en-US" dirty="0"/>
           </a:p>
@@ -2588,6 +2587,141 @@
           <a:bodyPr/>
           <a:lstStyle/>
           <a:p>
+            <a:r>
+              <a:rPr lang="en-US" dirty="0" smtClean="0"/>
+              <a:t>Alternate style for $http interaction</a:t>
+            </a:r>
+            <a:endParaRPr lang="en-US" dirty="0"/>
+          </a:p>
+        </p:txBody>
+      </p:sp>
+      <p:pic>
+        <p:nvPicPr>
+          <p:cNvPr id="4" name="Picture 3"/>
+          <p:cNvPicPr>
+            <a:picLocks noChangeAspect="1"/>
+          </p:cNvPicPr>
+          <p:nvPr/>
+        </p:nvPicPr>
+        <p:blipFill>
+          <a:blip r:embed="rId2">
+            <a:extLst>
+              <a:ext uri="{BEBA8EAE-BF5A-486C-A8C5-ECC9F3942E4B}">
+                <a14:imgProps xmlns:a14="http://schemas.microsoft.com/office/drawing/2010/main">
+                  <a14:imgLayer r:embed="rId3">
+                    <a14:imgEffect>
+                      <a14:colorTemperature colorTemp="11200"/>
+                    </a14:imgEffect>
+                  </a14:imgLayer>
+                </a14:imgProps>
+              </a:ext>
+            </a:extLst>
+          </a:blip>
+          <a:stretch>
+            <a:fillRect/>
+          </a:stretch>
+        </p:blipFill>
+        <p:spPr>
+          <a:xfrm>
+            <a:off x="1447800" y="2819400"/>
+            <a:ext cx="5600700" cy="1333500"/>
+          </a:xfrm>
+          <a:prstGeom prst="rect">
+            <a:avLst/>
+          </a:prstGeom>
+          <a:ln>
+            <a:noFill/>
+          </a:ln>
+          <a:effectLst>
+            <a:outerShdw blurRad="292100" dist="139700" dir="2700000" algn="tl" rotWithShape="0">
+              <a:srgbClr val="333333">
+                <a:alpha val="65000"/>
+              </a:srgbClr>
+            </a:outerShdw>
+          </a:effectLst>
+        </p:spPr>
+      </p:pic>
+    </p:spTree>
+    <p:extLst>
+      <p:ext uri="{BB962C8B-B14F-4D97-AF65-F5344CB8AC3E}">
+        <p14:creationId xmlns:p14="http://schemas.microsoft.com/office/powerpoint/2010/main" val="483750877"/>
+      </p:ext>
+    </p:extLst>
+  </p:cSld>
+  <p:clrMapOvr>
+    <a:masterClrMapping/>
+  </p:clrMapOvr>
+  <p:transition>
+    <p:fade/>
+  </p:transition>
+</p:sld>
+</file>
+
+<file path=ppt/slides/slide11.xml><?xml version="1.0" encoding="utf-8"?>
+<p:sld xmlns:a="http://schemas.openxmlformats.org/drawingml/2006/main" xmlns:r="http://schemas.openxmlformats.org/officeDocument/2006/relationships" xmlns:p="http://schemas.openxmlformats.org/presentationml/2006/main">
+  <p:cSld>
+    <p:spTree>
+      <p:nvGrpSpPr>
+        <p:cNvPr id="1" name=""/>
+        <p:cNvGrpSpPr/>
+        <p:nvPr/>
+      </p:nvGrpSpPr>
+      <p:grpSpPr>
+        <a:xfrm>
+          <a:off x="0" y="0"/>
+          <a:ext cx="0" cy="0"/>
+          <a:chOff x="0" y="0"/>
+          <a:chExt cx="0" cy="0"/>
+        </a:xfrm>
+      </p:grpSpPr>
+      <p:sp>
+        <p:nvSpPr>
+          <p:cNvPr id="2" name="Title 1"/>
+          <p:cNvSpPr>
+            <a:spLocks noGrp="1"/>
+          </p:cNvSpPr>
+          <p:nvPr>
+            <p:ph type="title"/>
+          </p:nvPr>
+        </p:nvSpPr>
+        <p:spPr/>
+        <p:txBody>
+          <a:bodyPr/>
+          <a:lstStyle/>
+          <a:p>
+            <a:r>
+              <a:rPr lang="en-US" dirty="0" smtClean="0"/>
+              <a:t>Summary</a:t>
+            </a:r>
+            <a:endParaRPr lang="en-US" dirty="0"/>
+          </a:p>
+        </p:txBody>
+      </p:sp>
+      <p:sp>
+        <p:nvSpPr>
+          <p:cNvPr id="3" name="Text Placeholder 2"/>
+          <p:cNvSpPr>
+            <a:spLocks noGrp="1"/>
+          </p:cNvSpPr>
+          <p:nvPr>
+            <p:ph type="body" idx="1"/>
+          </p:nvPr>
+        </p:nvSpPr>
+        <p:spPr/>
+        <p:txBody>
+          <a:bodyPr/>
+          <a:lstStyle/>
+          <a:p>
+            <a:r>
+              <a:rPr lang="en-US" dirty="0" smtClean="0"/>
+              <a:t>Testability is a goal</a:t>
+            </a:r>
+          </a:p>
+          <a:p>
+            <a:r>
+              <a:rPr lang="en-US" dirty="0" smtClean="0"/>
+              <a:t>Many options for frameworks, runners, and workflows</a:t>
+            </a:r>
             <a:endParaRPr lang="en-US" dirty="0"/>
           </a:p>
         </p:txBody>
@@ -2637,6 +2771,1053 @@
     <p:extLst>
       <p:ext uri="{BB962C8B-B14F-4D97-AF65-F5344CB8AC3E}">
         <p14:creationId xmlns:p14="http://schemas.microsoft.com/office/powerpoint/2010/main" val="711588167"/>
+      </p:ext>
+    </p:extLst>
+  </p:cSld>
+  <p:clrMapOvr>
+    <a:masterClrMapping/>
+  </p:clrMapOvr>
+  <p:transition>
+    <p:fade/>
+  </p:transition>
+</p:sld>
+</file>
+
+<file path=ppt/slides/slide2.xml><?xml version="1.0" encoding="utf-8"?>
+<p:sld xmlns:a="http://schemas.openxmlformats.org/drawingml/2006/main" xmlns:r="http://schemas.openxmlformats.org/officeDocument/2006/relationships" xmlns:p="http://schemas.openxmlformats.org/presentationml/2006/main">
+  <p:cSld>
+    <p:spTree>
+      <p:nvGrpSpPr>
+        <p:cNvPr id="1" name=""/>
+        <p:cNvGrpSpPr/>
+        <p:nvPr/>
+      </p:nvGrpSpPr>
+      <p:grpSpPr>
+        <a:xfrm>
+          <a:off x="0" y="0"/>
+          <a:ext cx="0" cy="0"/>
+          <a:chOff x="0" y="0"/>
+          <a:chExt cx="0" cy="0"/>
+        </a:xfrm>
+      </p:grpSpPr>
+      <p:sp>
+        <p:nvSpPr>
+          <p:cNvPr id="2" name="Title 1"/>
+          <p:cNvSpPr>
+            <a:spLocks noGrp="1"/>
+          </p:cNvSpPr>
+          <p:nvPr>
+            <p:ph type="title"/>
+          </p:nvPr>
+        </p:nvSpPr>
+        <p:spPr/>
+        <p:txBody>
+          <a:bodyPr/>
+          <a:lstStyle/>
+          <a:p>
+            <a:r>
+              <a:rPr lang="en-US" dirty="0" smtClean="0"/>
+              <a:t>Why?</a:t>
+            </a:r>
+            <a:endParaRPr lang="en-US" dirty="0"/>
+          </a:p>
+        </p:txBody>
+      </p:sp>
+      <p:sp>
+        <p:nvSpPr>
+          <p:cNvPr id="3" name="Text Placeholder 2"/>
+          <p:cNvSpPr>
+            <a:spLocks noGrp="1"/>
+          </p:cNvSpPr>
+          <p:nvPr>
+            <p:ph type="body" idx="1"/>
+          </p:nvPr>
+        </p:nvSpPr>
+        <p:spPr/>
+        <p:txBody>
+          <a:bodyPr/>
+          <a:lstStyle/>
+          <a:p>
+            <a:r>
+              <a:rPr lang="en-US" dirty="0" smtClean="0"/>
+              <a:t>JavaScript is dynamic</a:t>
+            </a:r>
+          </a:p>
+          <a:p>
+            <a:pPr lvl="1"/>
+            <a:r>
+              <a:rPr lang="en-US" dirty="0" smtClean="0"/>
+              <a:t>There is no help from a compiler</a:t>
+            </a:r>
+          </a:p>
+          <a:p>
+            <a:pPr lvl="1"/>
+            <a:r>
+              <a:rPr lang="en-US" dirty="0" smtClean="0"/>
+              <a:t>Other options available (</a:t>
+            </a:r>
+            <a:r>
+              <a:rPr lang="en-US" dirty="0" err="1" smtClean="0"/>
+              <a:t>TypeScript</a:t>
+            </a:r>
+            <a:r>
+              <a:rPr lang="en-US" dirty="0" smtClean="0"/>
+              <a:t>)</a:t>
+            </a:r>
+          </a:p>
+          <a:p>
+            <a:r>
+              <a:rPr lang="en-US" dirty="0" smtClean="0"/>
+              <a:t>Testable code is generally well designed</a:t>
+            </a:r>
+          </a:p>
+          <a:p>
+            <a:pPr lvl="1"/>
+            <a:r>
+              <a:rPr lang="en-US" dirty="0" smtClean="0"/>
+              <a:t>SRP</a:t>
+            </a:r>
+          </a:p>
+          <a:p>
+            <a:pPr lvl="1"/>
+            <a:r>
+              <a:rPr lang="en-US" dirty="0" smtClean="0"/>
+              <a:t>DIP</a:t>
+            </a:r>
+          </a:p>
+          <a:p>
+            <a:pPr marL="0" indent="0">
+              <a:buNone/>
+            </a:pPr>
+            <a:endParaRPr lang="en-US" dirty="0"/>
+          </a:p>
+        </p:txBody>
+      </p:sp>
+    </p:spTree>
+    <p:extLst>
+      <p:ext uri="{BB962C8B-B14F-4D97-AF65-F5344CB8AC3E}">
+        <p14:creationId xmlns:p14="http://schemas.microsoft.com/office/powerpoint/2010/main" val="4129330488"/>
+      </p:ext>
+    </p:extLst>
+  </p:cSld>
+  <p:clrMapOvr>
+    <a:masterClrMapping/>
+  </p:clrMapOvr>
+  <p:transition>
+    <p:fade/>
+  </p:transition>
+</p:sld>
+</file>
+
+<file path=ppt/slides/slide3.xml><?xml version="1.0" encoding="utf-8"?>
+<p:sld xmlns:a="http://schemas.openxmlformats.org/drawingml/2006/main" xmlns:r="http://schemas.openxmlformats.org/officeDocument/2006/relationships" xmlns:p="http://schemas.openxmlformats.org/presentationml/2006/main">
+  <p:cSld>
+    <p:spTree>
+      <p:nvGrpSpPr>
+        <p:cNvPr id="1" name=""/>
+        <p:cNvGrpSpPr/>
+        <p:nvPr/>
+      </p:nvGrpSpPr>
+      <p:grpSpPr>
+        <a:xfrm>
+          <a:off x="0" y="0"/>
+          <a:ext cx="0" cy="0"/>
+          <a:chOff x="0" y="0"/>
+          <a:chExt cx="0" cy="0"/>
+        </a:xfrm>
+      </p:grpSpPr>
+      <p:sp>
+        <p:nvSpPr>
+          <p:cNvPr id="2" name="Title 1"/>
+          <p:cNvSpPr>
+            <a:spLocks noGrp="1"/>
+          </p:cNvSpPr>
+          <p:nvPr>
+            <p:ph type="title"/>
+          </p:nvPr>
+        </p:nvSpPr>
+        <p:spPr/>
+        <p:txBody>
+          <a:bodyPr/>
+          <a:lstStyle/>
+          <a:p>
+            <a:r>
+              <a:rPr lang="en-US" dirty="0" smtClean="0"/>
+              <a:t>How</a:t>
+            </a:r>
+            <a:endParaRPr lang="en-US" dirty="0"/>
+          </a:p>
+        </p:txBody>
+      </p:sp>
+      <p:sp>
+        <p:nvSpPr>
+          <p:cNvPr id="3" name="Text Placeholder 2"/>
+          <p:cNvSpPr>
+            <a:spLocks noGrp="1"/>
+          </p:cNvSpPr>
+          <p:nvPr>
+            <p:ph type="body" idx="1"/>
+          </p:nvPr>
+        </p:nvSpPr>
+        <p:spPr/>
+        <p:txBody>
+          <a:bodyPr/>
+          <a:lstStyle/>
+          <a:p>
+            <a:r>
+              <a:rPr lang="en-US" dirty="0" smtClean="0"/>
+              <a:t>Angular helps us avoid global state and singletons</a:t>
+            </a:r>
+          </a:p>
+          <a:p>
+            <a:pPr lvl="1"/>
+            <a:r>
+              <a:rPr lang="en-US" dirty="0" smtClean="0"/>
+              <a:t>Dependency injection</a:t>
+            </a:r>
+          </a:p>
+          <a:p>
+            <a:pPr lvl="1"/>
+            <a:r>
+              <a:rPr lang="en-US" dirty="0" smtClean="0"/>
+              <a:t>No need for “new” or namespaces</a:t>
+            </a:r>
+          </a:p>
+          <a:p>
+            <a:r>
+              <a:rPr lang="en-US" dirty="0" smtClean="0"/>
+              <a:t>Angular helps with separation of concerns</a:t>
+            </a:r>
+          </a:p>
+          <a:p>
+            <a:pPr lvl="1"/>
+            <a:r>
+              <a:rPr lang="en-US" dirty="0" smtClean="0"/>
+              <a:t>Controllers don’t manipulate the DOM</a:t>
+            </a:r>
+          </a:p>
+          <a:p>
+            <a:pPr lvl="1"/>
+            <a:r>
+              <a:rPr lang="en-US" dirty="0" smtClean="0"/>
+              <a:t>Templates don’t contain application logic</a:t>
+            </a:r>
+          </a:p>
+          <a:p>
+            <a:pPr marL="457200" lvl="1" indent="0">
+              <a:buNone/>
+            </a:pPr>
+            <a:endParaRPr lang="en-US" dirty="0"/>
+          </a:p>
+        </p:txBody>
+      </p:sp>
+    </p:spTree>
+    <p:extLst>
+      <p:ext uri="{BB962C8B-B14F-4D97-AF65-F5344CB8AC3E}">
+        <p14:creationId xmlns:p14="http://schemas.microsoft.com/office/powerpoint/2010/main" val="3432650023"/>
+      </p:ext>
+    </p:extLst>
+  </p:cSld>
+  <p:clrMapOvr>
+    <a:masterClrMapping/>
+  </p:clrMapOvr>
+  <p:transition>
+    <p:fade/>
+  </p:transition>
+</p:sld>
+</file>
+
+<file path=ppt/slides/slide4.xml><?xml version="1.0" encoding="utf-8"?>
+<p:sld xmlns:a="http://schemas.openxmlformats.org/drawingml/2006/main" xmlns:r="http://schemas.openxmlformats.org/officeDocument/2006/relationships" xmlns:p="http://schemas.openxmlformats.org/presentationml/2006/main">
+  <p:cSld>
+    <p:spTree>
+      <p:nvGrpSpPr>
+        <p:cNvPr id="1" name=""/>
+        <p:cNvGrpSpPr/>
+        <p:nvPr/>
+      </p:nvGrpSpPr>
+      <p:grpSpPr>
+        <a:xfrm>
+          <a:off x="0" y="0"/>
+          <a:ext cx="0" cy="0"/>
+          <a:chOff x="0" y="0"/>
+          <a:chExt cx="0" cy="0"/>
+        </a:xfrm>
+      </p:grpSpPr>
+      <p:sp>
+        <p:nvSpPr>
+          <p:cNvPr id="2" name="Title 1"/>
+          <p:cNvSpPr>
+            <a:spLocks noGrp="1"/>
+          </p:cNvSpPr>
+          <p:nvPr>
+            <p:ph type="title"/>
+          </p:nvPr>
+        </p:nvSpPr>
+        <p:spPr/>
+        <p:txBody>
+          <a:bodyPr/>
+          <a:lstStyle/>
+          <a:p>
+            <a:r>
+              <a:rPr lang="en-US" dirty="0" smtClean="0"/>
+              <a:t>Setup</a:t>
+            </a:r>
+            <a:endParaRPr lang="en-US" dirty="0"/>
+          </a:p>
+        </p:txBody>
+      </p:sp>
+      <p:sp>
+        <p:nvSpPr>
+          <p:cNvPr id="3" name="Text Placeholder 2"/>
+          <p:cNvSpPr>
+            <a:spLocks noGrp="1"/>
+          </p:cNvSpPr>
+          <p:nvPr>
+            <p:ph type="body" idx="1"/>
+          </p:nvPr>
+        </p:nvSpPr>
+        <p:spPr/>
+        <p:txBody>
+          <a:bodyPr/>
+          <a:lstStyle/>
+          <a:p>
+            <a:r>
+              <a:rPr lang="en-US" dirty="0" smtClean="0"/>
+              <a:t>Framework options</a:t>
+            </a:r>
+          </a:p>
+          <a:p>
+            <a:pPr lvl="1"/>
+            <a:r>
+              <a:rPr lang="en-US" dirty="0" err="1" smtClean="0"/>
+              <a:t>Qunit</a:t>
+            </a:r>
+            <a:endParaRPr lang="en-US" dirty="0" smtClean="0"/>
+          </a:p>
+          <a:p>
+            <a:pPr lvl="1"/>
+            <a:r>
+              <a:rPr lang="en-US" dirty="0" smtClean="0"/>
+              <a:t>Jasmine</a:t>
+            </a:r>
+          </a:p>
+          <a:p>
+            <a:pPr lvl="1"/>
+            <a:r>
+              <a:rPr lang="en-US" dirty="0" smtClean="0"/>
+              <a:t>Mocha</a:t>
+            </a:r>
+          </a:p>
+          <a:p>
+            <a:r>
+              <a:rPr lang="en-US" dirty="0" smtClean="0"/>
+              <a:t>Runner options</a:t>
+            </a:r>
+          </a:p>
+          <a:p>
+            <a:pPr lvl="1"/>
+            <a:r>
+              <a:rPr lang="en-US" dirty="0" smtClean="0"/>
+              <a:t>Karma</a:t>
+            </a:r>
+          </a:p>
+          <a:p>
+            <a:pPr lvl="1"/>
+            <a:r>
+              <a:rPr lang="en-US" dirty="0" smtClean="0"/>
+              <a:t>Grunt</a:t>
+            </a:r>
+          </a:p>
+          <a:p>
+            <a:pPr lvl="1"/>
+            <a:r>
+              <a:rPr lang="en-US" dirty="0" smtClean="0"/>
+              <a:t>Chutzpah (Visual Studio)</a:t>
+            </a:r>
+          </a:p>
+          <a:p>
+            <a:pPr lvl="1"/>
+            <a:endParaRPr lang="en-US" dirty="0" smtClean="0"/>
+          </a:p>
+          <a:p>
+            <a:pPr lvl="1"/>
+            <a:endParaRPr lang="en-US" dirty="0"/>
+          </a:p>
+        </p:txBody>
+      </p:sp>
+    </p:spTree>
+    <p:extLst>
+      <p:ext uri="{BB962C8B-B14F-4D97-AF65-F5344CB8AC3E}">
+        <p14:creationId xmlns:p14="http://schemas.microsoft.com/office/powerpoint/2010/main" val="2829653049"/>
+      </p:ext>
+    </p:extLst>
+  </p:cSld>
+  <p:clrMapOvr>
+    <a:masterClrMapping/>
+  </p:clrMapOvr>
+  <p:transition>
+    <p:fade/>
+  </p:transition>
+</p:sld>
+</file>
+
+<file path=ppt/slides/slide5.xml><?xml version="1.0" encoding="utf-8"?>
+<p:sld xmlns:a="http://schemas.openxmlformats.org/drawingml/2006/main" xmlns:r="http://schemas.openxmlformats.org/officeDocument/2006/relationships" xmlns:p="http://schemas.openxmlformats.org/presentationml/2006/main">
+  <p:cSld>
+    <p:spTree>
+      <p:nvGrpSpPr>
+        <p:cNvPr id="1" name=""/>
+        <p:cNvGrpSpPr/>
+        <p:nvPr/>
+      </p:nvGrpSpPr>
+      <p:grpSpPr>
+        <a:xfrm>
+          <a:off x="0" y="0"/>
+          <a:ext cx="0" cy="0"/>
+          <a:chOff x="0" y="0"/>
+          <a:chExt cx="0" cy="0"/>
+        </a:xfrm>
+      </p:grpSpPr>
+      <p:sp>
+        <p:nvSpPr>
+          <p:cNvPr id="2" name="Title 1"/>
+          <p:cNvSpPr>
+            <a:spLocks noGrp="1"/>
+          </p:cNvSpPr>
+          <p:nvPr>
+            <p:ph type="title"/>
+          </p:nvPr>
+        </p:nvSpPr>
+        <p:spPr/>
+        <p:txBody>
+          <a:bodyPr/>
+          <a:lstStyle/>
+          <a:p>
+            <a:r>
+              <a:rPr lang="en-US" dirty="0" smtClean="0"/>
+              <a:t>Help</a:t>
+            </a:r>
+            <a:endParaRPr lang="en-US" dirty="0"/>
+          </a:p>
+        </p:txBody>
+      </p:sp>
+      <p:sp>
+        <p:nvSpPr>
+          <p:cNvPr id="3" name="Text Placeholder 2"/>
+          <p:cNvSpPr>
+            <a:spLocks noGrp="1"/>
+          </p:cNvSpPr>
+          <p:nvPr>
+            <p:ph type="body" idx="1"/>
+          </p:nvPr>
+        </p:nvSpPr>
+        <p:spPr/>
+        <p:txBody>
+          <a:bodyPr/>
+          <a:lstStyle/>
+          <a:p>
+            <a:r>
+              <a:rPr lang="en-US" dirty="0" err="1" smtClean="0"/>
+              <a:t>ngMock</a:t>
+            </a:r>
+            <a:r>
+              <a:rPr lang="en-US" dirty="0" smtClean="0"/>
+              <a:t> (angular-mock.js	)</a:t>
+            </a:r>
+          </a:p>
+          <a:p>
+            <a:pPr lvl="1"/>
+            <a:r>
+              <a:rPr lang="en-US" dirty="0" smtClean="0"/>
+              <a:t>Bootstrap modules</a:t>
+            </a:r>
+          </a:p>
+          <a:p>
+            <a:pPr lvl="1"/>
+            <a:r>
+              <a:rPr lang="en-US" dirty="0" smtClean="0"/>
+              <a:t>Test friendly injector method</a:t>
+            </a:r>
+          </a:p>
+          <a:p>
+            <a:pPr lvl="1"/>
+            <a:r>
+              <a:rPr lang="en-US" dirty="0" smtClean="0"/>
+              <a:t>Mock services</a:t>
+            </a:r>
+            <a:endParaRPr lang="en-US" dirty="0"/>
+          </a:p>
+        </p:txBody>
+      </p:sp>
+      <p:pic>
+        <p:nvPicPr>
+          <p:cNvPr id="4" name="Picture 3"/>
+          <p:cNvPicPr>
+            <a:picLocks noChangeAspect="1"/>
+          </p:cNvPicPr>
+          <p:nvPr/>
+        </p:nvPicPr>
+        <p:blipFill>
+          <a:blip r:embed="rId2">
+            <a:extLst>
+              <a:ext uri="{BEBA8EAE-BF5A-486C-A8C5-ECC9F3942E4B}">
+                <a14:imgProps xmlns:a14="http://schemas.microsoft.com/office/drawing/2010/main">
+                  <a14:imgLayer r:embed="rId3">
+                    <a14:imgEffect>
+                      <a14:colorTemperature colorTemp="11200"/>
+                    </a14:imgEffect>
+                  </a14:imgLayer>
+                </a14:imgProps>
+              </a:ext>
+            </a:extLst>
+          </a:blip>
+          <a:stretch>
+            <a:fillRect/>
+          </a:stretch>
+        </p:blipFill>
+        <p:spPr>
+          <a:xfrm>
+            <a:off x="838200" y="3429000"/>
+            <a:ext cx="7115175" cy="1743075"/>
+          </a:xfrm>
+          <a:prstGeom prst="rect">
+            <a:avLst/>
+          </a:prstGeom>
+          <a:ln>
+            <a:noFill/>
+          </a:ln>
+          <a:effectLst>
+            <a:outerShdw blurRad="292100" dist="139700" dir="2700000" algn="tl" rotWithShape="0">
+              <a:srgbClr val="333333">
+                <a:alpha val="65000"/>
+              </a:srgbClr>
+            </a:outerShdw>
+          </a:effectLst>
+        </p:spPr>
+      </p:pic>
+    </p:spTree>
+    <p:extLst>
+      <p:ext uri="{BB962C8B-B14F-4D97-AF65-F5344CB8AC3E}">
+        <p14:creationId xmlns:p14="http://schemas.microsoft.com/office/powerpoint/2010/main" val="2635915962"/>
+      </p:ext>
+    </p:extLst>
+  </p:cSld>
+  <p:clrMapOvr>
+    <a:masterClrMapping/>
+  </p:clrMapOvr>
+  <p:transition>
+    <p:fade/>
+  </p:transition>
+</p:sld>
+</file>
+
+<file path=ppt/slides/slide6.xml><?xml version="1.0" encoding="utf-8"?>
+<p:sld xmlns:a="http://schemas.openxmlformats.org/drawingml/2006/main" xmlns:r="http://schemas.openxmlformats.org/officeDocument/2006/relationships" xmlns:p="http://schemas.openxmlformats.org/presentationml/2006/main">
+  <p:cSld>
+    <p:spTree>
+      <p:nvGrpSpPr>
+        <p:cNvPr id="1" name=""/>
+        <p:cNvGrpSpPr/>
+        <p:nvPr/>
+      </p:nvGrpSpPr>
+      <p:grpSpPr>
+        <a:xfrm>
+          <a:off x="0" y="0"/>
+          <a:ext cx="0" cy="0"/>
+          <a:chOff x="0" y="0"/>
+          <a:chExt cx="0" cy="0"/>
+        </a:xfrm>
+      </p:grpSpPr>
+      <p:sp>
+        <p:nvSpPr>
+          <p:cNvPr id="2" name="Title 1"/>
+          <p:cNvSpPr>
+            <a:spLocks noGrp="1"/>
+          </p:cNvSpPr>
+          <p:nvPr>
+            <p:ph type="title"/>
+          </p:nvPr>
+        </p:nvSpPr>
+        <p:spPr/>
+        <p:txBody>
+          <a:bodyPr/>
+          <a:lstStyle/>
+          <a:p>
+            <a:r>
+              <a:rPr lang="en-US" dirty="0" smtClean="0"/>
+              <a:t>First Spec</a:t>
+            </a:r>
+            <a:endParaRPr lang="en-US" dirty="0"/>
+          </a:p>
+        </p:txBody>
+      </p:sp>
+      <p:sp>
+        <p:nvSpPr>
+          <p:cNvPr id="3" name="Text Placeholder 2"/>
+          <p:cNvSpPr>
+            <a:spLocks noGrp="1"/>
+          </p:cNvSpPr>
+          <p:nvPr>
+            <p:ph type="body" idx="1"/>
+          </p:nvPr>
+        </p:nvSpPr>
+        <p:spPr/>
+        <p:txBody>
+          <a:bodyPr/>
+          <a:lstStyle/>
+          <a:p>
+            <a:r>
+              <a:rPr lang="en-US" dirty="0" smtClean="0"/>
+              <a:t>Using module and inject to create controller</a:t>
+            </a:r>
+            <a:endParaRPr lang="en-US" dirty="0"/>
+          </a:p>
+        </p:txBody>
+      </p:sp>
+      <p:pic>
+        <p:nvPicPr>
+          <p:cNvPr id="5" name="Picture 4"/>
+          <p:cNvPicPr>
+            <a:picLocks noChangeAspect="1"/>
+          </p:cNvPicPr>
+          <p:nvPr/>
+        </p:nvPicPr>
+        <p:blipFill>
+          <a:blip r:embed="rId2">
+            <a:extLst>
+              <a:ext uri="{BEBA8EAE-BF5A-486C-A8C5-ECC9F3942E4B}">
+                <a14:imgProps xmlns:a14="http://schemas.microsoft.com/office/drawing/2010/main">
+                  <a14:imgLayer r:embed="rId3">
+                    <a14:imgEffect>
+                      <a14:colorTemperature colorTemp="11200"/>
+                    </a14:imgEffect>
+                  </a14:imgLayer>
+                </a14:imgProps>
+              </a:ext>
+            </a:extLst>
+          </a:blip>
+          <a:stretch>
+            <a:fillRect/>
+          </a:stretch>
+        </p:blipFill>
+        <p:spPr>
+          <a:xfrm>
+            <a:off x="800100" y="2057400"/>
+            <a:ext cx="7543800" cy="4114800"/>
+          </a:xfrm>
+          <a:prstGeom prst="rect">
+            <a:avLst/>
+          </a:prstGeom>
+          <a:ln>
+            <a:noFill/>
+          </a:ln>
+          <a:effectLst>
+            <a:outerShdw blurRad="292100" dist="139700" dir="2700000" algn="tl" rotWithShape="0">
+              <a:srgbClr val="333333">
+                <a:alpha val="65000"/>
+              </a:srgbClr>
+            </a:outerShdw>
+          </a:effectLst>
+        </p:spPr>
+      </p:pic>
+    </p:spTree>
+    <p:extLst>
+      <p:ext uri="{BB962C8B-B14F-4D97-AF65-F5344CB8AC3E}">
+        <p14:creationId xmlns:p14="http://schemas.microsoft.com/office/powerpoint/2010/main" val="827894863"/>
+      </p:ext>
+    </p:extLst>
+  </p:cSld>
+  <p:clrMapOvr>
+    <a:masterClrMapping/>
+  </p:clrMapOvr>
+  <p:transition>
+    <p:fade/>
+  </p:transition>
+</p:sld>
+</file>
+
+<file path=ppt/slides/slide7.xml><?xml version="1.0" encoding="utf-8"?>
+<p:sld xmlns:a="http://schemas.openxmlformats.org/drawingml/2006/main" xmlns:r="http://schemas.openxmlformats.org/officeDocument/2006/relationships" xmlns:p="http://schemas.openxmlformats.org/presentationml/2006/main">
+  <p:cSld>
+    <p:spTree>
+      <p:nvGrpSpPr>
+        <p:cNvPr id="1" name=""/>
+        <p:cNvGrpSpPr/>
+        <p:nvPr/>
+      </p:nvGrpSpPr>
+      <p:grpSpPr>
+        <a:xfrm>
+          <a:off x="0" y="0"/>
+          <a:ext cx="0" cy="0"/>
+          <a:chOff x="0" y="0"/>
+          <a:chExt cx="0" cy="0"/>
+        </a:xfrm>
+      </p:grpSpPr>
+      <p:sp>
+        <p:nvSpPr>
+          <p:cNvPr id="2" name="Title 1"/>
+          <p:cNvSpPr>
+            <a:spLocks noGrp="1"/>
+          </p:cNvSpPr>
+          <p:nvPr>
+            <p:ph type="title"/>
+          </p:nvPr>
+        </p:nvSpPr>
+        <p:spPr/>
+        <p:txBody>
+          <a:bodyPr/>
+          <a:lstStyle/>
+          <a:p>
+            <a:r>
+              <a:rPr lang="en-US" dirty="0" smtClean="0"/>
+              <a:t>Mocking</a:t>
+            </a:r>
+            <a:endParaRPr lang="en-US" dirty="0"/>
+          </a:p>
+        </p:txBody>
+      </p:sp>
+      <p:sp>
+        <p:nvSpPr>
+          <p:cNvPr id="3" name="Text Placeholder 2"/>
+          <p:cNvSpPr>
+            <a:spLocks noGrp="1"/>
+          </p:cNvSpPr>
+          <p:nvPr>
+            <p:ph type="body" idx="1"/>
+          </p:nvPr>
+        </p:nvSpPr>
+        <p:spPr/>
+        <p:txBody>
+          <a:bodyPr/>
+          <a:lstStyle/>
+          <a:p>
+            <a:r>
+              <a:rPr lang="en-US" dirty="0" smtClean="0"/>
+              <a:t>Can mock any service</a:t>
+            </a:r>
+          </a:p>
+          <a:p>
+            <a:pPr lvl="1"/>
+            <a:r>
+              <a:rPr lang="en-US" dirty="0" smtClean="0"/>
+              <a:t>Jasmine provides spies</a:t>
+            </a:r>
+            <a:endParaRPr lang="en-US" dirty="0"/>
+          </a:p>
+        </p:txBody>
+      </p:sp>
+      <p:pic>
+        <p:nvPicPr>
+          <p:cNvPr id="4" name="Picture 3"/>
+          <p:cNvPicPr>
+            <a:picLocks noChangeAspect="1"/>
+          </p:cNvPicPr>
+          <p:nvPr/>
+        </p:nvPicPr>
+        <p:blipFill>
+          <a:blip r:embed="rId2">
+            <a:extLst>
+              <a:ext uri="{BEBA8EAE-BF5A-486C-A8C5-ECC9F3942E4B}">
+                <a14:imgProps xmlns:a14="http://schemas.microsoft.com/office/drawing/2010/main">
+                  <a14:imgLayer r:embed="rId3">
+                    <a14:imgEffect>
+                      <a14:colorTemperature colorTemp="11200"/>
+                    </a14:imgEffect>
+                  </a14:imgLayer>
+                </a14:imgProps>
+              </a:ext>
+            </a:extLst>
+          </a:blip>
+          <a:stretch>
+            <a:fillRect/>
+          </a:stretch>
+        </p:blipFill>
+        <p:spPr>
+          <a:xfrm>
+            <a:off x="952500" y="2819400"/>
+            <a:ext cx="7239000" cy="1933575"/>
+          </a:xfrm>
+          <a:prstGeom prst="rect">
+            <a:avLst/>
+          </a:prstGeom>
+          <a:ln>
+            <a:noFill/>
+          </a:ln>
+          <a:effectLst>
+            <a:outerShdw blurRad="292100" dist="139700" dir="2700000" algn="tl" rotWithShape="0">
+              <a:srgbClr val="333333">
+                <a:alpha val="65000"/>
+              </a:srgbClr>
+            </a:outerShdw>
+          </a:effectLst>
+        </p:spPr>
+      </p:pic>
+    </p:spTree>
+    <p:extLst>
+      <p:ext uri="{BB962C8B-B14F-4D97-AF65-F5344CB8AC3E}">
+        <p14:creationId xmlns:p14="http://schemas.microsoft.com/office/powerpoint/2010/main" val="3740008630"/>
+      </p:ext>
+    </p:extLst>
+  </p:cSld>
+  <p:clrMapOvr>
+    <a:masterClrMapping/>
+  </p:clrMapOvr>
+  <p:transition>
+    <p:fade/>
+  </p:transition>
+</p:sld>
+</file>
+
+<file path=ppt/slides/slide8.xml><?xml version="1.0" encoding="utf-8"?>
+<p:sld xmlns:a="http://schemas.openxmlformats.org/drawingml/2006/main" xmlns:r="http://schemas.openxmlformats.org/officeDocument/2006/relationships" xmlns:p="http://schemas.openxmlformats.org/presentationml/2006/main">
+  <p:cSld>
+    <p:spTree>
+      <p:nvGrpSpPr>
+        <p:cNvPr id="1" name=""/>
+        <p:cNvGrpSpPr/>
+        <p:nvPr/>
+      </p:nvGrpSpPr>
+      <p:grpSpPr>
+        <a:xfrm>
+          <a:off x="0" y="0"/>
+          <a:ext cx="0" cy="0"/>
+          <a:chOff x="0" y="0"/>
+          <a:chExt cx="0" cy="0"/>
+        </a:xfrm>
+      </p:grpSpPr>
+      <p:sp>
+        <p:nvSpPr>
+          <p:cNvPr id="2" name="Title 1"/>
+          <p:cNvSpPr>
+            <a:spLocks noGrp="1"/>
+          </p:cNvSpPr>
+          <p:nvPr>
+            <p:ph type="title"/>
+          </p:nvPr>
+        </p:nvSpPr>
+        <p:spPr/>
+        <p:txBody>
+          <a:bodyPr/>
+          <a:lstStyle/>
+          <a:p>
+            <a:r>
+              <a:rPr lang="en-US" dirty="0" smtClean="0"/>
+              <a:t>Working With Promises</a:t>
+            </a:r>
+            <a:endParaRPr lang="en-US" dirty="0"/>
+          </a:p>
+        </p:txBody>
+      </p:sp>
+      <p:sp>
+        <p:nvSpPr>
+          <p:cNvPr id="3" name="Text Placeholder 2"/>
+          <p:cNvSpPr>
+            <a:spLocks noGrp="1"/>
+          </p:cNvSpPr>
+          <p:nvPr>
+            <p:ph type="body" idx="1"/>
+          </p:nvPr>
+        </p:nvSpPr>
+        <p:spPr/>
+        <p:txBody>
+          <a:bodyPr/>
+          <a:lstStyle/>
+          <a:p>
+            <a:r>
+              <a:rPr lang="en-US" dirty="0" smtClean="0"/>
+              <a:t>Often easiest to create promises with $q</a:t>
+            </a:r>
+          </a:p>
+          <a:p>
+            <a:pPr lvl="1"/>
+            <a:r>
+              <a:rPr lang="en-US" dirty="0" smtClean="0"/>
+              <a:t>Return “controlled” promise from a spy, mock, or fake</a:t>
+            </a:r>
+            <a:endParaRPr lang="en-US" dirty="0"/>
+          </a:p>
+        </p:txBody>
+      </p:sp>
+      <p:pic>
+        <p:nvPicPr>
+          <p:cNvPr id="4" name="Picture 3"/>
+          <p:cNvPicPr>
+            <a:picLocks noChangeAspect="1"/>
+          </p:cNvPicPr>
+          <p:nvPr/>
+        </p:nvPicPr>
+        <p:blipFill>
+          <a:blip r:embed="rId2">
+            <a:extLst>
+              <a:ext uri="{BEBA8EAE-BF5A-486C-A8C5-ECC9F3942E4B}">
+                <a14:imgProps xmlns:a14="http://schemas.microsoft.com/office/drawing/2010/main">
+                  <a14:imgLayer r:embed="rId3">
+                    <a14:imgEffect>
+                      <a14:colorTemperature colorTemp="11200"/>
+                    </a14:imgEffect>
+                  </a14:imgLayer>
+                </a14:imgProps>
+              </a:ext>
+            </a:extLst>
+          </a:blip>
+          <a:stretch>
+            <a:fillRect/>
+          </a:stretch>
+        </p:blipFill>
+        <p:spPr>
+          <a:xfrm>
+            <a:off x="1066800" y="2819400"/>
+            <a:ext cx="6096000" cy="2543175"/>
+          </a:xfrm>
+          <a:prstGeom prst="rect">
+            <a:avLst/>
+          </a:prstGeom>
+          <a:ln>
+            <a:noFill/>
+          </a:ln>
+          <a:effectLst>
+            <a:outerShdw blurRad="292100" dist="139700" dir="2700000" algn="tl" rotWithShape="0">
+              <a:srgbClr val="333333">
+                <a:alpha val="65000"/>
+              </a:srgbClr>
+            </a:outerShdw>
+          </a:effectLst>
+        </p:spPr>
+      </p:pic>
+    </p:spTree>
+    <p:extLst>
+      <p:ext uri="{BB962C8B-B14F-4D97-AF65-F5344CB8AC3E}">
+        <p14:creationId xmlns:p14="http://schemas.microsoft.com/office/powerpoint/2010/main" val="3389046627"/>
+      </p:ext>
+    </p:extLst>
+  </p:cSld>
+  <p:clrMapOvr>
+    <a:masterClrMapping/>
+  </p:clrMapOvr>
+  <p:transition>
+    <p:fade/>
+  </p:transition>
+</p:sld>
+</file>
+
+<file path=ppt/slides/slide9.xml><?xml version="1.0" encoding="utf-8"?>
+<p:sld xmlns:a="http://schemas.openxmlformats.org/drawingml/2006/main" xmlns:r="http://schemas.openxmlformats.org/officeDocument/2006/relationships" xmlns:p="http://schemas.openxmlformats.org/presentationml/2006/main">
+  <p:cSld>
+    <p:spTree>
+      <p:nvGrpSpPr>
+        <p:cNvPr id="1" name=""/>
+        <p:cNvGrpSpPr/>
+        <p:nvPr/>
+      </p:nvGrpSpPr>
+      <p:grpSpPr>
+        <a:xfrm>
+          <a:off x="0" y="0"/>
+          <a:ext cx="0" cy="0"/>
+          <a:chOff x="0" y="0"/>
+          <a:chExt cx="0" cy="0"/>
+        </a:xfrm>
+      </p:grpSpPr>
+      <p:sp>
+        <p:nvSpPr>
+          <p:cNvPr id="2" name="Title 1"/>
+          <p:cNvSpPr>
+            <a:spLocks noGrp="1"/>
+          </p:cNvSpPr>
+          <p:nvPr>
+            <p:ph type="title"/>
+          </p:nvPr>
+        </p:nvSpPr>
+        <p:spPr/>
+        <p:txBody>
+          <a:bodyPr/>
+          <a:lstStyle/>
+          <a:p>
+            <a:r>
+              <a:rPr lang="en-US" dirty="0" smtClean="0"/>
+              <a:t>Testing HTTP Interaction</a:t>
+            </a:r>
+            <a:endParaRPr lang="en-US" dirty="0"/>
+          </a:p>
+        </p:txBody>
+      </p:sp>
+      <p:sp>
+        <p:nvSpPr>
+          <p:cNvPr id="3" name="Text Placeholder 2"/>
+          <p:cNvSpPr>
+            <a:spLocks noGrp="1"/>
+          </p:cNvSpPr>
+          <p:nvPr>
+            <p:ph type="body" idx="1"/>
+          </p:nvPr>
+        </p:nvSpPr>
+        <p:spPr/>
+        <p:txBody>
+          <a:bodyPr/>
+          <a:lstStyle/>
+          <a:p>
+            <a:r>
+              <a:rPr lang="en-US" dirty="0" smtClean="0"/>
+              <a:t>Use $</a:t>
+            </a:r>
+            <a:r>
+              <a:rPr lang="en-US" dirty="0" err="1" smtClean="0"/>
+              <a:t>httpBackend</a:t>
+            </a:r>
+            <a:endParaRPr lang="en-US" dirty="0"/>
+          </a:p>
+        </p:txBody>
+      </p:sp>
+      <p:pic>
+        <p:nvPicPr>
+          <p:cNvPr id="4" name="Picture 3"/>
+          <p:cNvPicPr>
+            <a:picLocks noChangeAspect="1"/>
+          </p:cNvPicPr>
+          <p:nvPr/>
+        </p:nvPicPr>
+        <p:blipFill>
+          <a:blip r:embed="rId2">
+            <a:extLst>
+              <a:ext uri="{BEBA8EAE-BF5A-486C-A8C5-ECC9F3942E4B}">
+                <a14:imgProps xmlns:a14="http://schemas.microsoft.com/office/drawing/2010/main">
+                  <a14:imgLayer r:embed="rId3">
+                    <a14:imgEffect>
+                      <a14:colorTemperature colorTemp="11200"/>
+                    </a14:imgEffect>
+                  </a14:imgLayer>
+                </a14:imgProps>
+              </a:ext>
+            </a:extLst>
+          </a:blip>
+          <a:stretch>
+            <a:fillRect/>
+          </a:stretch>
+        </p:blipFill>
+        <p:spPr>
+          <a:xfrm>
+            <a:off x="795337" y="2362200"/>
+            <a:ext cx="7553325" cy="3267075"/>
+          </a:xfrm>
+          <a:prstGeom prst="rect">
+            <a:avLst/>
+          </a:prstGeom>
+          <a:ln>
+            <a:noFill/>
+          </a:ln>
+          <a:effectLst>
+            <a:outerShdw blurRad="292100" dist="139700" dir="2700000" algn="tl" rotWithShape="0">
+              <a:srgbClr val="333333">
+                <a:alpha val="65000"/>
+              </a:srgbClr>
+            </a:outerShdw>
+          </a:effectLst>
+        </p:spPr>
+      </p:pic>
+    </p:spTree>
+    <p:extLst>
+      <p:ext uri="{BB962C8B-B14F-4D97-AF65-F5344CB8AC3E}">
+        <p14:creationId xmlns:p14="http://schemas.microsoft.com/office/powerpoint/2010/main" val="2871511654"/>
       </p:ext>
     </p:extLst>
   </p:cSld>

--- a/angularjs/slides/06_Testing.pptx
+++ b/angularjs/slides/06_Testing.pptx
@@ -274,7 +274,7 @@
               <a:pPr>
                 <a:defRPr/>
               </a:pPr>
-              <a:t>11/29/2013</a:t>
+              <a:t>11/30/2013</a:t>
             </a:fld>
             <a:endParaRPr lang="en-US"/>
           </a:p>

--- a/angularjs/slides/06_Testing.pptx
+++ b/angularjs/slides/06_Testing.pptx
@@ -5,23 +5,31 @@
     <p:sldMasterId id="2147483772" r:id="rId1"/>
   </p:sldMasterIdLst>
   <p:notesMasterIdLst>
-    <p:notesMasterId r:id="rId13"/>
+    <p:notesMasterId r:id="rId21"/>
   </p:notesMasterIdLst>
   <p:handoutMasterIdLst>
-    <p:handoutMasterId r:id="rId14"/>
+    <p:handoutMasterId r:id="rId22"/>
   </p:handoutMasterIdLst>
   <p:sldIdLst>
     <p:sldId id="327" r:id="rId2"/>
     <p:sldId id="346" r:id="rId3"/>
     <p:sldId id="347" r:id="rId4"/>
     <p:sldId id="353" r:id="rId5"/>
-    <p:sldId id="354" r:id="rId6"/>
-    <p:sldId id="355" r:id="rId7"/>
-    <p:sldId id="356" r:id="rId8"/>
-    <p:sldId id="357" r:id="rId9"/>
-    <p:sldId id="358" r:id="rId10"/>
-    <p:sldId id="359" r:id="rId11"/>
-    <p:sldId id="345" r:id="rId12"/>
+    <p:sldId id="360" r:id="rId6"/>
+    <p:sldId id="361" r:id="rId7"/>
+    <p:sldId id="354" r:id="rId8"/>
+    <p:sldId id="355" r:id="rId9"/>
+    <p:sldId id="356" r:id="rId10"/>
+    <p:sldId id="357" r:id="rId11"/>
+    <p:sldId id="358" r:id="rId12"/>
+    <p:sldId id="359" r:id="rId13"/>
+    <p:sldId id="362" r:id="rId14"/>
+    <p:sldId id="365" r:id="rId15"/>
+    <p:sldId id="363" r:id="rId16"/>
+    <p:sldId id="364" r:id="rId17"/>
+    <p:sldId id="366" r:id="rId18"/>
+    <p:sldId id="367" r:id="rId19"/>
+    <p:sldId id="345" r:id="rId20"/>
   </p:sldIdLst>
   <p:sldSz cx="9144000" cy="6858000" type="screen4x3"/>
   <p:notesSz cx="7302500" cy="9588500"/>
@@ -274,7 +282,7 @@
               <a:pPr>
                 <a:defRPr/>
               </a:pPr>
-              <a:t>11/30/2013</a:t>
+              <a:t>9/26/2014</a:t>
             </a:fld>
             <a:endParaRPr lang="en-US"/>
           </a:p>
@@ -2566,6 +2574,281 @@
           <a:p>
             <a:r>
               <a:rPr lang="en-US" dirty="0" smtClean="0"/>
+              <a:t>Working With Promises</a:t>
+            </a:r>
+            <a:endParaRPr lang="en-US" dirty="0"/>
+          </a:p>
+        </p:txBody>
+      </p:sp>
+      <p:sp>
+        <p:nvSpPr>
+          <p:cNvPr id="3" name="Text Placeholder 2"/>
+          <p:cNvSpPr>
+            <a:spLocks noGrp="1"/>
+          </p:cNvSpPr>
+          <p:nvPr>
+            <p:ph type="body" idx="1"/>
+          </p:nvPr>
+        </p:nvSpPr>
+        <p:spPr/>
+        <p:txBody>
+          <a:bodyPr/>
+          <a:lstStyle/>
+          <a:p>
+            <a:r>
+              <a:rPr lang="en-US" dirty="0" smtClean="0"/>
+              <a:t>Often easiest to create promises with $q</a:t>
+            </a:r>
+          </a:p>
+          <a:p>
+            <a:pPr lvl="1"/>
+            <a:r>
+              <a:rPr lang="en-US" dirty="0" smtClean="0"/>
+              <a:t>Return “controlled” promise from a spy, mock, or fake</a:t>
+            </a:r>
+            <a:endParaRPr lang="en-US" dirty="0"/>
+          </a:p>
+        </p:txBody>
+      </p:sp>
+      <p:pic>
+        <p:nvPicPr>
+          <p:cNvPr id="4" name="Picture 3"/>
+          <p:cNvPicPr>
+            <a:picLocks noChangeAspect="1"/>
+          </p:cNvPicPr>
+          <p:nvPr/>
+        </p:nvPicPr>
+        <p:blipFill>
+          <a:blip r:embed="rId2">
+            <a:extLst>
+              <a:ext uri="{BEBA8EAE-BF5A-486C-A8C5-ECC9F3942E4B}">
+                <a14:imgProps xmlns:a14="http://schemas.microsoft.com/office/drawing/2010/main">
+                  <a14:imgLayer r:embed="rId3">
+                    <a14:imgEffect>
+                      <a14:colorTemperature colorTemp="11200"/>
+                    </a14:imgEffect>
+                  </a14:imgLayer>
+                </a14:imgProps>
+              </a:ext>
+            </a:extLst>
+          </a:blip>
+          <a:stretch>
+            <a:fillRect/>
+          </a:stretch>
+        </p:blipFill>
+        <p:spPr>
+          <a:xfrm>
+            <a:off x="1066800" y="2819400"/>
+            <a:ext cx="6096000" cy="2543175"/>
+          </a:xfrm>
+          <a:prstGeom prst="rect">
+            <a:avLst/>
+          </a:prstGeom>
+          <a:ln>
+            <a:noFill/>
+          </a:ln>
+          <a:effectLst>
+            <a:outerShdw blurRad="292100" dist="139700" dir="2700000" algn="tl" rotWithShape="0">
+              <a:srgbClr val="333333">
+                <a:alpha val="65000"/>
+              </a:srgbClr>
+            </a:outerShdw>
+          </a:effectLst>
+        </p:spPr>
+      </p:pic>
+    </p:spTree>
+    <p:extLst>
+      <p:ext uri="{BB962C8B-B14F-4D97-AF65-F5344CB8AC3E}">
+        <p14:creationId xmlns:p14="http://schemas.microsoft.com/office/powerpoint/2010/main" val="3389046627"/>
+      </p:ext>
+    </p:extLst>
+  </p:cSld>
+  <p:clrMapOvr>
+    <a:masterClrMapping/>
+  </p:clrMapOvr>
+  <p:transition>
+    <p:fade/>
+  </p:transition>
+  <p:timing>
+    <p:tnLst>
+      <p:par>
+        <p:cTn id="1" dur="indefinite" restart="never" nodeType="tmRoot"/>
+      </p:par>
+    </p:tnLst>
+  </p:timing>
+</p:sld>
+</file>
+
+<file path=ppt/slides/slide11.xml><?xml version="1.0" encoding="utf-8"?>
+<p:sld xmlns:a="http://schemas.openxmlformats.org/drawingml/2006/main" xmlns:r="http://schemas.openxmlformats.org/officeDocument/2006/relationships" xmlns:p="http://schemas.openxmlformats.org/presentationml/2006/main">
+  <p:cSld>
+    <p:spTree>
+      <p:nvGrpSpPr>
+        <p:cNvPr id="1" name=""/>
+        <p:cNvGrpSpPr/>
+        <p:nvPr/>
+      </p:nvGrpSpPr>
+      <p:grpSpPr>
+        <a:xfrm>
+          <a:off x="0" y="0"/>
+          <a:ext cx="0" cy="0"/>
+          <a:chOff x="0" y="0"/>
+          <a:chExt cx="0" cy="0"/>
+        </a:xfrm>
+      </p:grpSpPr>
+      <p:sp>
+        <p:nvSpPr>
+          <p:cNvPr id="2" name="Title 1"/>
+          <p:cNvSpPr>
+            <a:spLocks noGrp="1"/>
+          </p:cNvSpPr>
+          <p:nvPr>
+            <p:ph type="title"/>
+          </p:nvPr>
+        </p:nvSpPr>
+        <p:spPr/>
+        <p:txBody>
+          <a:bodyPr/>
+          <a:lstStyle/>
+          <a:p>
+            <a:r>
+              <a:rPr lang="en-US" dirty="0" smtClean="0"/>
+              <a:t>Testing HTTP Interaction</a:t>
+            </a:r>
+            <a:endParaRPr lang="en-US" dirty="0"/>
+          </a:p>
+        </p:txBody>
+      </p:sp>
+      <p:sp>
+        <p:nvSpPr>
+          <p:cNvPr id="3" name="Text Placeholder 2"/>
+          <p:cNvSpPr>
+            <a:spLocks noGrp="1"/>
+          </p:cNvSpPr>
+          <p:nvPr>
+            <p:ph type="body" idx="1"/>
+          </p:nvPr>
+        </p:nvSpPr>
+        <p:spPr/>
+        <p:txBody>
+          <a:bodyPr/>
+          <a:lstStyle/>
+          <a:p>
+            <a:r>
+              <a:rPr lang="en-US" dirty="0" smtClean="0"/>
+              <a:t>Use $</a:t>
+            </a:r>
+            <a:r>
+              <a:rPr lang="en-US" dirty="0" err="1" smtClean="0"/>
+              <a:t>httpBackend</a:t>
+            </a:r>
+            <a:endParaRPr lang="en-US" dirty="0"/>
+          </a:p>
+        </p:txBody>
+      </p:sp>
+      <p:pic>
+        <p:nvPicPr>
+          <p:cNvPr id="4" name="Picture 3"/>
+          <p:cNvPicPr>
+            <a:picLocks noChangeAspect="1"/>
+          </p:cNvPicPr>
+          <p:nvPr/>
+        </p:nvPicPr>
+        <p:blipFill>
+          <a:blip r:embed="rId2">
+            <a:extLst>
+              <a:ext uri="{BEBA8EAE-BF5A-486C-A8C5-ECC9F3942E4B}">
+                <a14:imgProps xmlns:a14="http://schemas.microsoft.com/office/drawing/2010/main">
+                  <a14:imgLayer r:embed="rId3">
+                    <a14:imgEffect>
+                      <a14:colorTemperature colorTemp="11200"/>
+                    </a14:imgEffect>
+                  </a14:imgLayer>
+                </a14:imgProps>
+              </a:ext>
+            </a:extLst>
+          </a:blip>
+          <a:stretch>
+            <a:fillRect/>
+          </a:stretch>
+        </p:blipFill>
+        <p:spPr>
+          <a:xfrm>
+            <a:off x="795337" y="2362200"/>
+            <a:ext cx="7553325" cy="3267075"/>
+          </a:xfrm>
+          <a:prstGeom prst="rect">
+            <a:avLst/>
+          </a:prstGeom>
+          <a:ln>
+            <a:noFill/>
+          </a:ln>
+          <a:effectLst>
+            <a:outerShdw blurRad="292100" dist="139700" dir="2700000" algn="tl" rotWithShape="0">
+              <a:srgbClr val="333333">
+                <a:alpha val="65000"/>
+              </a:srgbClr>
+            </a:outerShdw>
+          </a:effectLst>
+        </p:spPr>
+      </p:pic>
+    </p:spTree>
+    <p:extLst>
+      <p:ext uri="{BB962C8B-B14F-4D97-AF65-F5344CB8AC3E}">
+        <p14:creationId xmlns:p14="http://schemas.microsoft.com/office/powerpoint/2010/main" val="2871511654"/>
+      </p:ext>
+    </p:extLst>
+  </p:cSld>
+  <p:clrMapOvr>
+    <a:masterClrMapping/>
+  </p:clrMapOvr>
+  <p:transition>
+    <p:fade/>
+  </p:transition>
+  <p:timing>
+    <p:tnLst>
+      <p:par>
+        <p:cTn id="1" dur="indefinite" restart="never" nodeType="tmRoot"/>
+      </p:par>
+    </p:tnLst>
+  </p:timing>
+</p:sld>
+</file>
+
+<file path=ppt/slides/slide12.xml><?xml version="1.0" encoding="utf-8"?>
+<p:sld xmlns:a="http://schemas.openxmlformats.org/drawingml/2006/main" xmlns:r="http://schemas.openxmlformats.org/officeDocument/2006/relationships" xmlns:p="http://schemas.openxmlformats.org/presentationml/2006/main">
+  <p:cSld>
+    <p:spTree>
+      <p:nvGrpSpPr>
+        <p:cNvPr id="1" name=""/>
+        <p:cNvGrpSpPr/>
+        <p:nvPr/>
+      </p:nvGrpSpPr>
+      <p:grpSpPr>
+        <a:xfrm>
+          <a:off x="0" y="0"/>
+          <a:ext cx="0" cy="0"/>
+          <a:chOff x="0" y="0"/>
+          <a:chExt cx="0" cy="0"/>
+        </a:xfrm>
+      </p:grpSpPr>
+      <p:sp>
+        <p:nvSpPr>
+          <p:cNvPr id="2" name="Title 1"/>
+          <p:cNvSpPr>
+            <a:spLocks noGrp="1"/>
+          </p:cNvSpPr>
+          <p:nvPr>
+            <p:ph type="title"/>
+          </p:nvPr>
+        </p:nvSpPr>
+        <p:spPr/>
+        <p:txBody>
+          <a:bodyPr/>
+          <a:lstStyle/>
+          <a:p>
+            <a:r>
+              <a:rPr lang="en-US" dirty="0" smtClean="0"/>
               <a:t>Expectations</a:t>
             </a:r>
             <a:endParaRPr lang="en-US" dirty="0"/>
@@ -2654,10 +2937,943 @@
   <p:transition>
     <p:fade/>
   </p:transition>
+  <p:timing>
+    <p:tnLst>
+      <p:par>
+        <p:cTn id="1" dur="indefinite" restart="never" nodeType="tmRoot"/>
+      </p:par>
+    </p:tnLst>
+  </p:timing>
 </p:sld>
 </file>
 
-<file path=ppt/slides/slide11.xml><?xml version="1.0" encoding="utf-8"?>
+<file path=ppt/slides/slide13.xml><?xml version="1.0" encoding="utf-8"?>
+<p:sld xmlns:a="http://schemas.openxmlformats.org/drawingml/2006/main" xmlns:r="http://schemas.openxmlformats.org/officeDocument/2006/relationships" xmlns:p="http://schemas.openxmlformats.org/presentationml/2006/main">
+  <p:cSld>
+    <p:spTree>
+      <p:nvGrpSpPr>
+        <p:cNvPr id="1" name=""/>
+        <p:cNvGrpSpPr/>
+        <p:nvPr/>
+      </p:nvGrpSpPr>
+      <p:grpSpPr>
+        <a:xfrm>
+          <a:off x="0" y="0"/>
+          <a:ext cx="0" cy="0"/>
+          <a:chOff x="0" y="0"/>
+          <a:chExt cx="0" cy="0"/>
+        </a:xfrm>
+      </p:grpSpPr>
+      <p:sp>
+        <p:nvSpPr>
+          <p:cNvPr id="2" name="Title 1"/>
+          <p:cNvSpPr>
+            <a:spLocks noGrp="1"/>
+          </p:cNvSpPr>
+          <p:nvPr>
+            <p:ph type="title"/>
+          </p:nvPr>
+        </p:nvSpPr>
+        <p:spPr/>
+        <p:txBody>
+          <a:bodyPr/>
+          <a:lstStyle/>
+          <a:p>
+            <a:r>
+              <a:rPr lang="en-US" dirty="0" smtClean="0"/>
+              <a:t>Spies</a:t>
+            </a:r>
+            <a:endParaRPr lang="en-US" dirty="0"/>
+          </a:p>
+        </p:txBody>
+      </p:sp>
+      <p:sp>
+        <p:nvSpPr>
+          <p:cNvPr id="3" name="Text Placeholder 2"/>
+          <p:cNvSpPr>
+            <a:spLocks noGrp="1"/>
+          </p:cNvSpPr>
+          <p:nvPr>
+            <p:ph type="body" idx="1"/>
+          </p:nvPr>
+        </p:nvSpPr>
+        <p:spPr/>
+        <p:txBody>
+          <a:bodyPr/>
+          <a:lstStyle/>
+          <a:p>
+            <a:r>
+              <a:rPr lang="en-US" dirty="0" smtClean="0"/>
+              <a:t>Jasmine provides an API to make spies</a:t>
+            </a:r>
+            <a:endParaRPr lang="en-US" dirty="0"/>
+          </a:p>
+        </p:txBody>
+      </p:sp>
+      <p:pic>
+        <p:nvPicPr>
+          <p:cNvPr id="4" name="Picture 3"/>
+          <p:cNvPicPr>
+            <a:picLocks noChangeAspect="1"/>
+          </p:cNvPicPr>
+          <p:nvPr/>
+        </p:nvPicPr>
+        <p:blipFill>
+          <a:blip r:embed="rId2"/>
+          <a:stretch>
+            <a:fillRect/>
+          </a:stretch>
+        </p:blipFill>
+        <p:spPr>
+          <a:xfrm>
+            <a:off x="1023937" y="2443162"/>
+            <a:ext cx="7096125" cy="1971675"/>
+          </a:xfrm>
+          <a:prstGeom prst="rect">
+            <a:avLst/>
+          </a:prstGeom>
+        </p:spPr>
+      </p:pic>
+    </p:spTree>
+    <p:extLst>
+      <p:ext uri="{BB962C8B-B14F-4D97-AF65-F5344CB8AC3E}">
+        <p14:creationId xmlns:p14="http://schemas.microsoft.com/office/powerpoint/2010/main" val="1385231385"/>
+      </p:ext>
+    </p:extLst>
+  </p:cSld>
+  <p:clrMapOvr>
+    <a:masterClrMapping/>
+  </p:clrMapOvr>
+  <p:transition>
+    <p:fade/>
+  </p:transition>
+  <p:timing>
+    <p:tnLst>
+      <p:par>
+        <p:cTn id="1" dur="indefinite" restart="never" nodeType="tmRoot"/>
+      </p:par>
+    </p:tnLst>
+  </p:timing>
+</p:sld>
+</file>
+
+<file path=ppt/slides/slide14.xml><?xml version="1.0" encoding="utf-8"?>
+<p:sld xmlns:a="http://schemas.openxmlformats.org/drawingml/2006/main" xmlns:r="http://schemas.openxmlformats.org/officeDocument/2006/relationships" xmlns:p="http://schemas.openxmlformats.org/presentationml/2006/main">
+  <p:cSld>
+    <p:spTree>
+      <p:nvGrpSpPr>
+        <p:cNvPr id="1" name=""/>
+        <p:cNvGrpSpPr/>
+        <p:nvPr/>
+      </p:nvGrpSpPr>
+      <p:grpSpPr>
+        <a:xfrm>
+          <a:off x="0" y="0"/>
+          <a:ext cx="0" cy="0"/>
+          <a:chOff x="0" y="0"/>
+          <a:chExt cx="0" cy="0"/>
+        </a:xfrm>
+      </p:grpSpPr>
+      <p:sp>
+        <p:nvSpPr>
+          <p:cNvPr id="2" name="Title 1"/>
+          <p:cNvSpPr>
+            <a:spLocks noGrp="1"/>
+          </p:cNvSpPr>
+          <p:nvPr>
+            <p:ph type="title"/>
+          </p:nvPr>
+        </p:nvSpPr>
+        <p:spPr/>
+        <p:txBody>
+          <a:bodyPr/>
+          <a:lstStyle/>
+          <a:p>
+            <a:r>
+              <a:rPr lang="en-US" dirty="0" smtClean="0"/>
+              <a:t>Karma</a:t>
+            </a:r>
+            <a:endParaRPr lang="en-US" dirty="0"/>
+          </a:p>
+        </p:txBody>
+      </p:sp>
+      <p:sp>
+        <p:nvSpPr>
+          <p:cNvPr id="3" name="Text Placeholder 2"/>
+          <p:cNvSpPr>
+            <a:spLocks noGrp="1"/>
+          </p:cNvSpPr>
+          <p:nvPr>
+            <p:ph type="body" idx="1"/>
+          </p:nvPr>
+        </p:nvSpPr>
+        <p:spPr/>
+        <p:txBody>
+          <a:bodyPr/>
+          <a:lstStyle/>
+          <a:p>
+            <a:r>
+              <a:rPr lang="en-US" dirty="0" smtClean="0"/>
+              <a:t>Continuous test runner</a:t>
+            </a:r>
+          </a:p>
+          <a:p>
+            <a:pPr lvl="1"/>
+            <a:r>
+              <a:rPr lang="en-US" dirty="0" smtClean="0"/>
+              <a:t>Easy install with </a:t>
+            </a:r>
+            <a:r>
+              <a:rPr lang="en-US" dirty="0" err="1" smtClean="0"/>
+              <a:t>npm</a:t>
+            </a:r>
+            <a:endParaRPr lang="en-US" dirty="0" smtClean="0"/>
+          </a:p>
+          <a:p>
+            <a:pPr lvl="1"/>
+            <a:r>
+              <a:rPr lang="en-US" dirty="0" smtClean="0"/>
+              <a:t>Works with Jasmine, Mocha, </a:t>
+            </a:r>
+            <a:r>
+              <a:rPr lang="en-US" dirty="0" err="1" smtClean="0"/>
+              <a:t>Qunit</a:t>
+            </a:r>
+            <a:endParaRPr lang="en-US" dirty="0" smtClean="0"/>
+          </a:p>
+          <a:p>
+            <a:pPr lvl="1"/>
+            <a:r>
+              <a:rPr lang="en-US" dirty="0" smtClean="0"/>
+              <a:t>Works with Chrome, IE, Firefox, Phantom</a:t>
+            </a:r>
+            <a:endParaRPr lang="en-US" dirty="0"/>
+          </a:p>
+        </p:txBody>
+      </p:sp>
+      <p:pic>
+        <p:nvPicPr>
+          <p:cNvPr id="3074" name="Picture 2" descr="Karma - Spectacular Test Runner for JavaScript"/>
+          <p:cNvPicPr>
+            <a:picLocks noChangeAspect="1" noChangeArrowheads="1"/>
+          </p:cNvPicPr>
+          <p:nvPr/>
+        </p:nvPicPr>
+        <p:blipFill>
+          <a:blip r:embed="rId2">
+            <a:extLst>
+              <a:ext uri="{28A0092B-C50C-407E-A947-70E740481C1C}">
+                <a14:useLocalDpi xmlns:a14="http://schemas.microsoft.com/office/drawing/2010/main" val="0"/>
+              </a:ext>
+            </a:extLst>
+          </a:blip>
+          <a:srcRect/>
+          <a:stretch>
+            <a:fillRect/>
+          </a:stretch>
+        </p:blipFill>
+        <p:spPr bwMode="auto">
+          <a:xfrm>
+            <a:off x="3200400" y="3505200"/>
+            <a:ext cx="2743200" cy="638175"/>
+          </a:xfrm>
+          <a:prstGeom prst="rect">
+            <a:avLst/>
+          </a:prstGeom>
+          <a:noFill/>
+          <a:extLst>
+            <a:ext uri="{909E8E84-426E-40DD-AFC4-6F175D3DCCD1}">
+              <a14:hiddenFill xmlns:a14="http://schemas.microsoft.com/office/drawing/2010/main">
+                <a:solidFill>
+                  <a:srgbClr val="FFFFFF"/>
+                </a:solidFill>
+              </a14:hiddenFill>
+            </a:ext>
+          </a:extLst>
+        </p:spPr>
+      </p:pic>
+    </p:spTree>
+    <p:extLst>
+      <p:ext uri="{BB962C8B-B14F-4D97-AF65-F5344CB8AC3E}">
+        <p14:creationId xmlns:p14="http://schemas.microsoft.com/office/powerpoint/2010/main" val="3166127633"/>
+      </p:ext>
+    </p:extLst>
+  </p:cSld>
+  <p:clrMapOvr>
+    <a:masterClrMapping/>
+  </p:clrMapOvr>
+  <p:transition>
+    <p:fade/>
+  </p:transition>
+  <p:timing>
+    <p:tnLst>
+      <p:par>
+        <p:cTn id="1" dur="indefinite" restart="never" nodeType="tmRoot"/>
+      </p:par>
+    </p:tnLst>
+  </p:timing>
+</p:sld>
+</file>
+
+<file path=ppt/slides/slide15.xml><?xml version="1.0" encoding="utf-8"?>
+<p:sld xmlns:a="http://schemas.openxmlformats.org/drawingml/2006/main" xmlns:r="http://schemas.openxmlformats.org/officeDocument/2006/relationships" xmlns:p="http://schemas.openxmlformats.org/presentationml/2006/main">
+  <p:cSld>
+    <p:spTree>
+      <p:nvGrpSpPr>
+        <p:cNvPr id="1" name=""/>
+        <p:cNvGrpSpPr/>
+        <p:nvPr/>
+      </p:nvGrpSpPr>
+      <p:grpSpPr>
+        <a:xfrm>
+          <a:off x="0" y="0"/>
+          <a:ext cx="0" cy="0"/>
+          <a:chOff x="0" y="0"/>
+          <a:chExt cx="0" cy="0"/>
+        </a:xfrm>
+      </p:grpSpPr>
+      <p:sp>
+        <p:nvSpPr>
+          <p:cNvPr id="2" name="Title 1"/>
+          <p:cNvSpPr>
+            <a:spLocks noGrp="1"/>
+          </p:cNvSpPr>
+          <p:nvPr>
+            <p:ph type="title"/>
+          </p:nvPr>
+        </p:nvSpPr>
+        <p:spPr/>
+        <p:txBody>
+          <a:bodyPr/>
+          <a:lstStyle/>
+          <a:p>
+            <a:r>
+              <a:rPr lang="en-US" dirty="0" smtClean="0"/>
+              <a:t>Protractor</a:t>
+            </a:r>
+            <a:endParaRPr lang="en-US" dirty="0"/>
+          </a:p>
+        </p:txBody>
+      </p:sp>
+      <p:sp>
+        <p:nvSpPr>
+          <p:cNvPr id="3" name="Text Placeholder 2"/>
+          <p:cNvSpPr>
+            <a:spLocks noGrp="1"/>
+          </p:cNvSpPr>
+          <p:nvPr>
+            <p:ph type="body" idx="1"/>
+          </p:nvPr>
+        </p:nvSpPr>
+        <p:spPr/>
+        <p:txBody>
+          <a:bodyPr/>
+          <a:lstStyle/>
+          <a:p>
+            <a:r>
+              <a:rPr lang="en-US" dirty="0" smtClean="0"/>
+              <a:t>Built on Selenium (Java) and </a:t>
+            </a:r>
+            <a:r>
+              <a:rPr lang="en-US" dirty="0" err="1" smtClean="0"/>
+              <a:t>WebDriverJS</a:t>
+            </a:r>
+            <a:endParaRPr lang="en-US" dirty="0" smtClean="0"/>
+          </a:p>
+          <a:p>
+            <a:r>
+              <a:rPr lang="en-US" dirty="0" smtClean="0"/>
+              <a:t>Test all layers by simulating a user</a:t>
+            </a:r>
+          </a:p>
+          <a:p>
+            <a:r>
+              <a:rPr lang="en-US" dirty="0" smtClean="0"/>
+              <a:t>Uses browser automation</a:t>
+            </a:r>
+            <a:endParaRPr lang="en-US" dirty="0"/>
+          </a:p>
+        </p:txBody>
+      </p:sp>
+      <p:pic>
+        <p:nvPicPr>
+          <p:cNvPr id="2052" name="Picture 4" descr="http://pascalprecht.github.io/slides/e2e-testing-with-protractor/img/protractor-logo.png"/>
+          <p:cNvPicPr>
+            <a:picLocks noChangeAspect="1" noChangeArrowheads="1"/>
+          </p:cNvPicPr>
+          <p:nvPr/>
+        </p:nvPicPr>
+        <p:blipFill>
+          <a:blip r:embed="rId2">
+            <a:extLst>
+              <a:ext uri="{28A0092B-C50C-407E-A947-70E740481C1C}">
+                <a14:useLocalDpi xmlns:a14="http://schemas.microsoft.com/office/drawing/2010/main" val="0"/>
+              </a:ext>
+            </a:extLst>
+          </a:blip>
+          <a:srcRect/>
+          <a:stretch>
+            <a:fillRect/>
+          </a:stretch>
+        </p:blipFill>
+        <p:spPr bwMode="auto">
+          <a:xfrm>
+            <a:off x="990600" y="3810000"/>
+            <a:ext cx="6948115" cy="1566590"/>
+          </a:xfrm>
+          <a:prstGeom prst="rect">
+            <a:avLst/>
+          </a:prstGeom>
+          <a:noFill/>
+          <a:extLst>
+            <a:ext uri="{909E8E84-426E-40DD-AFC4-6F175D3DCCD1}">
+              <a14:hiddenFill xmlns:a14="http://schemas.microsoft.com/office/drawing/2010/main">
+                <a:solidFill>
+                  <a:srgbClr val="FFFFFF"/>
+                </a:solidFill>
+              </a14:hiddenFill>
+            </a:ext>
+          </a:extLst>
+        </p:spPr>
+      </p:pic>
+    </p:spTree>
+    <p:extLst>
+      <p:ext uri="{BB962C8B-B14F-4D97-AF65-F5344CB8AC3E}">
+        <p14:creationId xmlns:p14="http://schemas.microsoft.com/office/powerpoint/2010/main" val="647887674"/>
+      </p:ext>
+    </p:extLst>
+  </p:cSld>
+  <p:clrMapOvr>
+    <a:masterClrMapping/>
+  </p:clrMapOvr>
+  <p:transition>
+    <p:fade/>
+  </p:transition>
+  <p:timing>
+    <p:tnLst>
+      <p:par>
+        <p:cTn id="1" dur="indefinite" restart="never" nodeType="tmRoot"/>
+      </p:par>
+    </p:tnLst>
+  </p:timing>
+</p:sld>
+</file>
+
+<file path=ppt/slides/slide16.xml><?xml version="1.0" encoding="utf-8"?>
+<p:sld xmlns:a="http://schemas.openxmlformats.org/drawingml/2006/main" xmlns:r="http://schemas.openxmlformats.org/officeDocument/2006/relationships" xmlns:p="http://schemas.openxmlformats.org/presentationml/2006/main">
+  <p:cSld>
+    <p:spTree>
+      <p:nvGrpSpPr>
+        <p:cNvPr id="1" name=""/>
+        <p:cNvGrpSpPr/>
+        <p:nvPr/>
+      </p:nvGrpSpPr>
+      <p:grpSpPr>
+        <a:xfrm>
+          <a:off x="0" y="0"/>
+          <a:ext cx="0" cy="0"/>
+          <a:chOff x="0" y="0"/>
+          <a:chExt cx="0" cy="0"/>
+        </a:xfrm>
+      </p:grpSpPr>
+      <p:sp>
+        <p:nvSpPr>
+          <p:cNvPr id="2" name="Title 1"/>
+          <p:cNvSpPr>
+            <a:spLocks noGrp="1"/>
+          </p:cNvSpPr>
+          <p:nvPr>
+            <p:ph type="title"/>
+          </p:nvPr>
+        </p:nvSpPr>
+        <p:spPr/>
+        <p:txBody>
+          <a:bodyPr/>
+          <a:lstStyle/>
+          <a:p>
+            <a:r>
+              <a:rPr lang="en-US" dirty="0" smtClean="0"/>
+              <a:t>Getting Started</a:t>
+            </a:r>
+            <a:endParaRPr lang="en-US" dirty="0"/>
+          </a:p>
+        </p:txBody>
+      </p:sp>
+      <p:sp>
+        <p:nvSpPr>
+          <p:cNvPr id="3" name="Text Placeholder 2"/>
+          <p:cNvSpPr>
+            <a:spLocks noGrp="1"/>
+          </p:cNvSpPr>
+          <p:nvPr>
+            <p:ph type="body" idx="1"/>
+          </p:nvPr>
+        </p:nvSpPr>
+        <p:spPr/>
+        <p:txBody>
+          <a:bodyPr/>
+          <a:lstStyle/>
+          <a:p>
+            <a:r>
+              <a:rPr lang="en-US" dirty="0" smtClean="0"/>
+              <a:t>Install protractor with </a:t>
+            </a:r>
+            <a:r>
+              <a:rPr lang="en-US" dirty="0" err="1" smtClean="0"/>
+              <a:t>npm</a:t>
+            </a:r>
+            <a:endParaRPr lang="en-US" dirty="0" smtClean="0"/>
+          </a:p>
+          <a:p>
+            <a:r>
+              <a:rPr lang="en-US" dirty="0" smtClean="0"/>
+              <a:t>Create protractor.conf.js</a:t>
+            </a:r>
+          </a:p>
+          <a:p>
+            <a:r>
+              <a:rPr lang="en-US" dirty="0" smtClean="0"/>
+              <a:t>Use </a:t>
+            </a:r>
+            <a:r>
+              <a:rPr lang="en-US" dirty="0" err="1" smtClean="0"/>
+              <a:t>webdrivermanager</a:t>
+            </a:r>
+            <a:r>
+              <a:rPr lang="en-US" dirty="0" smtClean="0"/>
+              <a:t> to install Selenium and a driver</a:t>
+            </a:r>
+          </a:p>
+          <a:p>
+            <a:pPr lvl="1"/>
+            <a:r>
+              <a:rPr lang="en-US" dirty="0" smtClean="0"/>
+              <a:t>Requires Java</a:t>
+            </a:r>
+          </a:p>
+          <a:p>
+            <a:endParaRPr lang="en-US" dirty="0"/>
+          </a:p>
+        </p:txBody>
+      </p:sp>
+      <p:pic>
+        <p:nvPicPr>
+          <p:cNvPr id="4" name="Picture 3"/>
+          <p:cNvPicPr>
+            <a:picLocks noChangeAspect="1"/>
+          </p:cNvPicPr>
+          <p:nvPr/>
+        </p:nvPicPr>
+        <p:blipFill>
+          <a:blip r:embed="rId2"/>
+          <a:stretch>
+            <a:fillRect/>
+          </a:stretch>
+        </p:blipFill>
+        <p:spPr>
+          <a:xfrm>
+            <a:off x="2286000" y="3352800"/>
+            <a:ext cx="4467225" cy="1209675"/>
+          </a:xfrm>
+          <a:prstGeom prst="rect">
+            <a:avLst/>
+          </a:prstGeom>
+        </p:spPr>
+      </p:pic>
+      <p:pic>
+        <p:nvPicPr>
+          <p:cNvPr id="4098" name="Picture 2" descr="Florian Fesseler"/>
+          <p:cNvPicPr>
+            <a:picLocks noChangeAspect="1" noChangeArrowheads="1"/>
+          </p:cNvPicPr>
+          <p:nvPr/>
+        </p:nvPicPr>
+        <p:blipFill>
+          <a:blip r:embed="rId3">
+            <a:extLst>
+              <a:ext uri="{28A0092B-C50C-407E-A947-70E740481C1C}">
+                <a14:useLocalDpi xmlns:a14="http://schemas.microsoft.com/office/drawing/2010/main" val="0"/>
+              </a:ext>
+            </a:extLst>
+          </a:blip>
+          <a:srcRect/>
+          <a:stretch>
+            <a:fillRect/>
+          </a:stretch>
+        </p:blipFill>
+        <p:spPr bwMode="auto">
+          <a:xfrm>
+            <a:off x="155575" y="-327025"/>
+            <a:ext cx="685800" cy="685800"/>
+          </a:xfrm>
+          <a:prstGeom prst="rect">
+            <a:avLst/>
+          </a:prstGeom>
+          <a:noFill/>
+          <a:extLst>
+            <a:ext uri="{909E8E84-426E-40DD-AFC4-6F175D3DCCD1}">
+              <a14:hiddenFill xmlns:a14="http://schemas.microsoft.com/office/drawing/2010/main">
+                <a:solidFill>
+                  <a:srgbClr val="FFFFFF"/>
+                </a:solidFill>
+              </a14:hiddenFill>
+            </a:ext>
+          </a:extLst>
+        </p:spPr>
+      </p:pic>
+    </p:spTree>
+    <p:extLst>
+      <p:ext uri="{BB962C8B-B14F-4D97-AF65-F5344CB8AC3E}">
+        <p14:creationId xmlns:p14="http://schemas.microsoft.com/office/powerpoint/2010/main" val="2736391594"/>
+      </p:ext>
+    </p:extLst>
+  </p:cSld>
+  <p:clrMapOvr>
+    <a:masterClrMapping/>
+  </p:clrMapOvr>
+  <p:transition>
+    <p:fade/>
+  </p:transition>
+  <p:timing>
+    <p:tnLst>
+      <p:par>
+        <p:cTn id="1" dur="indefinite" restart="never" nodeType="tmRoot"/>
+      </p:par>
+    </p:tnLst>
+  </p:timing>
+</p:sld>
+</file>
+
+<file path=ppt/slides/slide17.xml><?xml version="1.0" encoding="utf-8"?>
+<p:sld xmlns:a="http://schemas.openxmlformats.org/drawingml/2006/main" xmlns:r="http://schemas.openxmlformats.org/officeDocument/2006/relationships" xmlns:p="http://schemas.openxmlformats.org/presentationml/2006/main">
+  <p:cSld>
+    <p:spTree>
+      <p:nvGrpSpPr>
+        <p:cNvPr id="1" name=""/>
+        <p:cNvGrpSpPr/>
+        <p:nvPr/>
+      </p:nvGrpSpPr>
+      <p:grpSpPr>
+        <a:xfrm>
+          <a:off x="0" y="0"/>
+          <a:ext cx="0" cy="0"/>
+          <a:chOff x="0" y="0"/>
+          <a:chExt cx="0" cy="0"/>
+        </a:xfrm>
+      </p:grpSpPr>
+      <p:sp>
+        <p:nvSpPr>
+          <p:cNvPr id="2" name="Title 1"/>
+          <p:cNvSpPr>
+            <a:spLocks noGrp="1"/>
+          </p:cNvSpPr>
+          <p:nvPr>
+            <p:ph type="title"/>
+          </p:nvPr>
+        </p:nvSpPr>
+        <p:spPr/>
+        <p:txBody>
+          <a:bodyPr/>
+          <a:lstStyle/>
+          <a:p>
+            <a:r>
+              <a:rPr lang="en-US" dirty="0" smtClean="0"/>
+              <a:t>Writing Tests</a:t>
+            </a:r>
+            <a:endParaRPr lang="en-US" dirty="0"/>
+          </a:p>
+        </p:txBody>
+      </p:sp>
+      <p:sp>
+        <p:nvSpPr>
+          <p:cNvPr id="3" name="Text Placeholder 2"/>
+          <p:cNvSpPr>
+            <a:spLocks noGrp="1"/>
+          </p:cNvSpPr>
+          <p:nvPr>
+            <p:ph type="body" idx="1"/>
+          </p:nvPr>
+        </p:nvSpPr>
+        <p:spPr/>
+        <p:txBody>
+          <a:bodyPr/>
+          <a:lstStyle/>
+          <a:p>
+            <a:endParaRPr lang="en-US"/>
+          </a:p>
+        </p:txBody>
+      </p:sp>
+      <p:pic>
+        <p:nvPicPr>
+          <p:cNvPr id="4" name="Picture 3"/>
+          <p:cNvPicPr>
+            <a:picLocks noChangeAspect="1"/>
+          </p:cNvPicPr>
+          <p:nvPr/>
+        </p:nvPicPr>
+        <p:blipFill>
+          <a:blip r:embed="rId2"/>
+          <a:stretch>
+            <a:fillRect/>
+          </a:stretch>
+        </p:blipFill>
+        <p:spPr>
+          <a:xfrm>
+            <a:off x="1023937" y="1857375"/>
+            <a:ext cx="7096125" cy="3143250"/>
+          </a:xfrm>
+          <a:prstGeom prst="rect">
+            <a:avLst/>
+          </a:prstGeom>
+        </p:spPr>
+      </p:pic>
+    </p:spTree>
+    <p:extLst>
+      <p:ext uri="{BB962C8B-B14F-4D97-AF65-F5344CB8AC3E}">
+        <p14:creationId xmlns:p14="http://schemas.microsoft.com/office/powerpoint/2010/main" val="2223770183"/>
+      </p:ext>
+    </p:extLst>
+  </p:cSld>
+  <p:clrMapOvr>
+    <a:masterClrMapping/>
+  </p:clrMapOvr>
+  <p:transition>
+    <p:fade/>
+  </p:transition>
+  <p:timing>
+    <p:tnLst>
+      <p:par>
+        <p:cTn id="1" dur="indefinite" restart="never" nodeType="tmRoot"/>
+      </p:par>
+    </p:tnLst>
+  </p:timing>
+</p:sld>
+</file>
+
+<file path=ppt/slides/slide18.xml><?xml version="1.0" encoding="utf-8"?>
+<p:sld xmlns:a="http://schemas.openxmlformats.org/drawingml/2006/main" xmlns:r="http://schemas.openxmlformats.org/officeDocument/2006/relationships" xmlns:p="http://schemas.openxmlformats.org/presentationml/2006/main">
+  <p:cSld>
+    <p:spTree>
+      <p:nvGrpSpPr>
+        <p:cNvPr id="1" name=""/>
+        <p:cNvGrpSpPr/>
+        <p:nvPr/>
+      </p:nvGrpSpPr>
+      <p:grpSpPr>
+        <a:xfrm>
+          <a:off x="0" y="0"/>
+          <a:ext cx="0" cy="0"/>
+          <a:chOff x="0" y="0"/>
+          <a:chExt cx="0" cy="0"/>
+        </a:xfrm>
+      </p:grpSpPr>
+      <p:sp>
+        <p:nvSpPr>
+          <p:cNvPr id="2" name="Title 1"/>
+          <p:cNvSpPr>
+            <a:spLocks noGrp="1"/>
+          </p:cNvSpPr>
+          <p:nvPr>
+            <p:ph type="title"/>
+          </p:nvPr>
+        </p:nvSpPr>
+        <p:spPr/>
+        <p:txBody>
+          <a:bodyPr/>
+          <a:lstStyle/>
+          <a:p>
+            <a:r>
+              <a:rPr lang="en-US" dirty="0" smtClean="0"/>
+              <a:t>Locators</a:t>
+            </a:r>
+            <a:endParaRPr lang="en-US" dirty="0"/>
+          </a:p>
+        </p:txBody>
+      </p:sp>
+      <p:sp>
+        <p:nvSpPr>
+          <p:cNvPr id="3" name="Text Placeholder 2"/>
+          <p:cNvSpPr>
+            <a:spLocks noGrp="1"/>
+          </p:cNvSpPr>
+          <p:nvPr>
+            <p:ph type="body" idx="1"/>
+          </p:nvPr>
+        </p:nvSpPr>
+        <p:spPr/>
+        <p:txBody>
+          <a:bodyPr/>
+          <a:lstStyle/>
+          <a:p>
+            <a:pPr>
+              <a:lnSpc>
+                <a:spcPct val="150000"/>
+              </a:lnSpc>
+            </a:pPr>
+            <a:r>
+              <a:rPr lang="en-US" dirty="0" err="1" smtClean="0">
+                <a:latin typeface="Consolas" panose="020B0609020204030204" pitchFamily="49" charset="0"/>
+                <a:cs typeface="Consolas" panose="020B0609020204030204" pitchFamily="49" charset="0"/>
+              </a:rPr>
+              <a:t>by.binding</a:t>
+            </a:r>
+            <a:r>
+              <a:rPr lang="en-US" dirty="0" smtClean="0">
+                <a:latin typeface="Consolas" panose="020B0609020204030204" pitchFamily="49" charset="0"/>
+                <a:cs typeface="Consolas" panose="020B0609020204030204" pitchFamily="49" charset="0"/>
+              </a:rPr>
+              <a:t>(‘</a:t>
+            </a:r>
+            <a:r>
+              <a:rPr lang="en-US" dirty="0" err="1" smtClean="0">
+                <a:latin typeface="Consolas" panose="020B0609020204030204" pitchFamily="49" charset="0"/>
+                <a:cs typeface="Consolas" panose="020B0609020204030204" pitchFamily="49" charset="0"/>
+              </a:rPr>
+              <a:t>move.title</a:t>
+            </a:r>
+            <a:r>
+              <a:rPr lang="en-US" dirty="0" smtClean="0">
+                <a:latin typeface="Consolas" panose="020B0609020204030204" pitchFamily="49" charset="0"/>
+                <a:cs typeface="Consolas" panose="020B0609020204030204" pitchFamily="49" charset="0"/>
+              </a:rPr>
+              <a:t>’)</a:t>
+            </a:r>
+          </a:p>
+          <a:p>
+            <a:pPr>
+              <a:lnSpc>
+                <a:spcPct val="150000"/>
+              </a:lnSpc>
+            </a:pPr>
+            <a:r>
+              <a:rPr lang="en-US" dirty="0" err="1" smtClean="0">
+                <a:latin typeface="Consolas" panose="020B0609020204030204" pitchFamily="49" charset="0"/>
+                <a:cs typeface="Consolas" panose="020B0609020204030204" pitchFamily="49" charset="0"/>
+              </a:rPr>
+              <a:t>by.model</a:t>
+            </a:r>
+            <a:r>
+              <a:rPr lang="en-US" dirty="0" smtClean="0">
+                <a:latin typeface="Consolas" panose="020B0609020204030204" pitchFamily="49" charset="0"/>
+                <a:cs typeface="Consolas" panose="020B0609020204030204" pitchFamily="49" charset="0"/>
+              </a:rPr>
+              <a:t>(‘</a:t>
+            </a:r>
+            <a:r>
+              <a:rPr lang="en-US" dirty="0" err="1" smtClean="0">
+                <a:latin typeface="Consolas" panose="020B0609020204030204" pitchFamily="49" charset="0"/>
+                <a:cs typeface="Consolas" panose="020B0609020204030204" pitchFamily="49" charset="0"/>
+              </a:rPr>
+              <a:t>movie.title</a:t>
+            </a:r>
+            <a:r>
+              <a:rPr lang="en-US" dirty="0" smtClean="0">
+                <a:latin typeface="Consolas" panose="020B0609020204030204" pitchFamily="49" charset="0"/>
+                <a:cs typeface="Consolas" panose="020B0609020204030204" pitchFamily="49" charset="0"/>
+              </a:rPr>
+              <a:t>’)</a:t>
+            </a:r>
+          </a:p>
+          <a:p>
+            <a:pPr>
+              <a:lnSpc>
+                <a:spcPct val="150000"/>
+              </a:lnSpc>
+            </a:pPr>
+            <a:r>
+              <a:rPr lang="en-US" dirty="0" err="1" smtClean="0">
+                <a:latin typeface="Consolas" panose="020B0609020204030204" pitchFamily="49" charset="0"/>
+                <a:cs typeface="Consolas" panose="020B0609020204030204" pitchFamily="49" charset="0"/>
+              </a:rPr>
+              <a:t>by.repeater</a:t>
+            </a:r>
+            <a:r>
+              <a:rPr lang="en-US" dirty="0" smtClean="0">
+                <a:latin typeface="Consolas" panose="020B0609020204030204" pitchFamily="49" charset="0"/>
+                <a:cs typeface="Consolas" panose="020B0609020204030204" pitchFamily="49" charset="0"/>
+              </a:rPr>
+              <a:t>(‘movie in movies’).row(1)</a:t>
+            </a:r>
+          </a:p>
+          <a:p>
+            <a:pPr>
+              <a:lnSpc>
+                <a:spcPct val="150000"/>
+              </a:lnSpc>
+            </a:pPr>
+            <a:r>
+              <a:rPr lang="en-US" dirty="0" err="1" smtClean="0">
+                <a:latin typeface="Consolas" panose="020B0609020204030204" pitchFamily="49" charset="0"/>
+                <a:cs typeface="Consolas" panose="020B0609020204030204" pitchFamily="49" charset="0"/>
+              </a:rPr>
+              <a:t>by.options</a:t>
+            </a:r>
+            <a:r>
+              <a:rPr lang="en-US" dirty="0" smtClean="0">
+                <a:latin typeface="Consolas" panose="020B0609020204030204" pitchFamily="49" charset="0"/>
+                <a:cs typeface="Consolas" panose="020B0609020204030204" pitchFamily="49" charset="0"/>
+              </a:rPr>
+              <a:t>(‘c for c in categories’)</a:t>
+            </a:r>
+          </a:p>
+          <a:p>
+            <a:pPr>
+              <a:lnSpc>
+                <a:spcPct val="150000"/>
+              </a:lnSpc>
+            </a:pPr>
+            <a:r>
+              <a:rPr lang="en-US" dirty="0" smtClean="0">
+                <a:latin typeface="Consolas" panose="020B0609020204030204" pitchFamily="49" charset="0"/>
+                <a:cs typeface="Consolas" panose="020B0609020204030204" pitchFamily="49" charset="0"/>
+              </a:rPr>
+              <a:t>Also </a:t>
+            </a:r>
+            <a:r>
+              <a:rPr lang="en-US" dirty="0" err="1" smtClean="0">
+                <a:latin typeface="Consolas" panose="020B0609020204030204" pitchFamily="49" charset="0"/>
+                <a:cs typeface="Consolas" panose="020B0609020204030204" pitchFamily="49" charset="0"/>
+              </a:rPr>
+              <a:t>css</a:t>
+            </a:r>
+            <a:r>
+              <a:rPr lang="en-US" dirty="0" smtClean="0">
+                <a:latin typeface="Consolas" panose="020B0609020204030204" pitchFamily="49" charset="0"/>
+                <a:cs typeface="Consolas" panose="020B0609020204030204" pitchFamily="49" charset="0"/>
+              </a:rPr>
+              <a:t>, id, tag</a:t>
+            </a:r>
+            <a:endParaRPr lang="en-US" dirty="0">
+              <a:latin typeface="Consolas" panose="020B0609020204030204" pitchFamily="49" charset="0"/>
+              <a:cs typeface="Consolas" panose="020B0609020204030204" pitchFamily="49" charset="0"/>
+            </a:endParaRPr>
+          </a:p>
+        </p:txBody>
+      </p:sp>
+    </p:spTree>
+    <p:extLst>
+      <p:ext uri="{BB962C8B-B14F-4D97-AF65-F5344CB8AC3E}">
+        <p14:creationId xmlns:p14="http://schemas.microsoft.com/office/powerpoint/2010/main" val="686835126"/>
+      </p:ext>
+    </p:extLst>
+  </p:cSld>
+  <p:clrMapOvr>
+    <a:masterClrMapping/>
+  </p:clrMapOvr>
+  <p:transition>
+    <p:fade/>
+  </p:transition>
+  <p:timing>
+    <p:tnLst>
+      <p:par>
+        <p:cTn id="1" dur="indefinite" restart="never" nodeType="tmRoot"/>
+      </p:par>
+    </p:tnLst>
+  </p:timing>
+</p:sld>
+</file>
+
+<file path=ppt/slides/slide19.xml><?xml version="1.0" encoding="utf-8"?>
 <p:sld xmlns:a="http://schemas.openxmlformats.org/drawingml/2006/main" xmlns:r="http://schemas.openxmlformats.org/officeDocument/2006/relationships" xmlns:p="http://schemas.openxmlformats.org/presentationml/2006/main">
   <p:cSld>
     <p:spTree>
@@ -2780,6 +3996,13 @@
   <p:transition>
     <p:fade/>
   </p:transition>
+  <p:timing>
+    <p:tnLst>
+      <p:par>
+        <p:cTn id="1" dur="indefinite" restart="never" nodeType="tmRoot"/>
+      </p:par>
+    </p:tnLst>
+  </p:timing>
 </p:sld>
 </file>
 
@@ -2906,6 +4129,13 @@
   <p:transition>
     <p:fade/>
   </p:transition>
+  <p:timing>
+    <p:tnLst>
+      <p:par>
+        <p:cTn id="1" dur="indefinite" restart="never" nodeType="tmRoot"/>
+      </p:par>
+    </p:tnLst>
+  </p:timing>
 </p:sld>
 </file>
 
@@ -3024,6 +4254,13 @@
   <p:transition>
     <p:fade/>
   </p:transition>
+  <p:timing>
+    <p:tnLst>
+      <p:par>
+        <p:cTn id="1" dur="indefinite" restart="never" nodeType="tmRoot"/>
+      </p:par>
+    </p:tnLst>
+  </p:timing>
 </p:sld>
 </file>
 
@@ -3159,6 +4396,13 @@
   <p:transition>
     <p:fade/>
   </p:transition>
+  <p:timing>
+    <p:tnLst>
+      <p:par>
+        <p:cTn id="1" dur="indefinite" restart="never" nodeType="tmRoot"/>
+      </p:par>
+    </p:tnLst>
+  </p:timing>
 </p:sld>
 </file>
 
@@ -3196,6 +4440,1758 @@
           <a:p>
             <a:r>
               <a:rPr lang="en-US" dirty="0" smtClean="0"/>
+              <a:t>Jasmine</a:t>
+            </a:r>
+            <a:endParaRPr lang="en-US" dirty="0"/>
+          </a:p>
+        </p:txBody>
+      </p:sp>
+      <p:pic>
+        <p:nvPicPr>
+          <p:cNvPr id="4" name="Picture 3"/>
+          <p:cNvPicPr>
+            <a:picLocks noChangeAspect="1"/>
+          </p:cNvPicPr>
+          <p:nvPr/>
+        </p:nvPicPr>
+        <p:blipFill>
+          <a:blip r:embed="rId2"/>
+          <a:stretch>
+            <a:fillRect/>
+          </a:stretch>
+        </p:blipFill>
+        <p:spPr>
+          <a:xfrm>
+            <a:off x="490993" y="1905000"/>
+            <a:ext cx="8162925" cy="3524250"/>
+          </a:xfrm>
+          <a:prstGeom prst="rect">
+            <a:avLst/>
+          </a:prstGeom>
+        </p:spPr>
+      </p:pic>
+    </p:spTree>
+    <p:extLst>
+      <p:ext uri="{BB962C8B-B14F-4D97-AF65-F5344CB8AC3E}">
+        <p14:creationId xmlns:p14="http://schemas.microsoft.com/office/powerpoint/2010/main" val="3314697698"/>
+      </p:ext>
+    </p:extLst>
+  </p:cSld>
+  <p:clrMapOvr>
+    <a:masterClrMapping/>
+  </p:clrMapOvr>
+  <p:transition>
+    <p:fade/>
+  </p:transition>
+  <p:timing>
+    <p:tnLst>
+      <p:par>
+        <p:cTn id="1" dur="indefinite" restart="never" nodeType="tmRoot"/>
+      </p:par>
+    </p:tnLst>
+  </p:timing>
+</p:sld>
+</file>
+
+<file path=ppt/slides/slide6.xml><?xml version="1.0" encoding="utf-8"?>
+<p:sld xmlns:a="http://schemas.openxmlformats.org/drawingml/2006/main" xmlns:r="http://schemas.openxmlformats.org/officeDocument/2006/relationships" xmlns:p="http://schemas.openxmlformats.org/presentationml/2006/main">
+  <p:cSld>
+    <p:spTree>
+      <p:nvGrpSpPr>
+        <p:cNvPr id="1" name=""/>
+        <p:cNvGrpSpPr/>
+        <p:nvPr/>
+      </p:nvGrpSpPr>
+      <p:grpSpPr>
+        <a:xfrm>
+          <a:off x="0" y="0"/>
+          <a:ext cx="0" cy="0"/>
+          <a:chOff x="0" y="0"/>
+          <a:chExt cx="0" cy="0"/>
+        </a:xfrm>
+      </p:grpSpPr>
+      <p:sp>
+        <p:nvSpPr>
+          <p:cNvPr id="2" name="Title 1"/>
+          <p:cNvSpPr>
+            <a:spLocks noGrp="1"/>
+          </p:cNvSpPr>
+          <p:nvPr>
+            <p:ph type="title"/>
+          </p:nvPr>
+        </p:nvSpPr>
+        <p:spPr/>
+        <p:txBody>
+          <a:bodyPr/>
+          <a:lstStyle/>
+          <a:p>
+            <a:r>
+              <a:rPr lang="en-US" dirty="0" smtClean="0"/>
+              <a:t>Jasmine Matchers</a:t>
+            </a:r>
+            <a:endParaRPr lang="en-US" dirty="0"/>
+          </a:p>
+        </p:txBody>
+      </p:sp>
+      <p:sp>
+        <p:nvSpPr>
+          <p:cNvPr id="4" name="Rectangle 1"/>
+          <p:cNvSpPr>
+            <a:spLocks noGrp="1" noChangeArrowheads="1"/>
+          </p:cNvSpPr>
+          <p:nvPr>
+            <p:ph type="body" idx="1"/>
+          </p:nvPr>
+        </p:nvSpPr>
+        <p:spPr bwMode="auto">
+          <a:xfrm>
+            <a:off x="457200" y="1143815"/>
+            <a:ext cx="8122416" cy="5103769"/>
+          </a:xfrm>
+          <a:prstGeom prst="rect">
+            <a:avLst/>
+          </a:prstGeom>
+          <a:solidFill>
+            <a:srgbClr val="FFFFCC"/>
+          </a:solidFill>
+          <a:ln>
+            <a:noFill/>
+          </a:ln>
+          <a:effectLst/>
+        </p:spPr>
+        <p:txBody>
+          <a:bodyPr vert="horz" wrap="none" lIns="0" tIns="0" rIns="0" bIns="0" numCol="1" anchor="ctr" anchorCtr="0" compatLnSpc="1">
+            <a:prstTxWarp prst="textNoShape">
+              <a:avLst/>
+            </a:prstTxWarp>
+            <a:spAutoFit/>
+          </a:bodyPr>
+          <a:lstStyle>
+            <a:lvl1pPr algn="l">
+              <a:defRPr>
+                <a:solidFill>
+                  <a:schemeClr val="tx1"/>
+                </a:solidFill>
+                <a:latin typeface="Arial" panose="020B0604020202020204" pitchFamily="34" charset="0"/>
+              </a:defRPr>
+            </a:lvl1pPr>
+            <a:lvl2pPr algn="l">
+              <a:defRPr>
+                <a:solidFill>
+                  <a:schemeClr val="tx1"/>
+                </a:solidFill>
+                <a:latin typeface="Arial" panose="020B0604020202020204" pitchFamily="34" charset="0"/>
+              </a:defRPr>
+            </a:lvl2pPr>
+            <a:lvl3pPr algn="l">
+              <a:defRPr>
+                <a:solidFill>
+                  <a:schemeClr val="tx1"/>
+                </a:solidFill>
+                <a:latin typeface="Arial" panose="020B0604020202020204" pitchFamily="34" charset="0"/>
+              </a:defRPr>
+            </a:lvl3pPr>
+            <a:lvl4pPr algn="l">
+              <a:defRPr>
+                <a:solidFill>
+                  <a:schemeClr val="tx1"/>
+                </a:solidFill>
+                <a:latin typeface="Arial" panose="020B0604020202020204" pitchFamily="34" charset="0"/>
+              </a:defRPr>
+            </a:lvl4pPr>
+            <a:lvl5pPr algn="l">
+              <a:defRPr>
+                <a:solidFill>
+                  <a:schemeClr val="tx1"/>
+                </a:solidFill>
+                <a:latin typeface="Arial" panose="020B0604020202020204" pitchFamily="34" charset="0"/>
+              </a:defRPr>
+            </a:lvl5pPr>
+            <a:lvl6pPr eaLnBrk="0" fontAlgn="base" hangingPunct="0">
+              <a:spcBef>
+                <a:spcPct val="0"/>
+              </a:spcBef>
+              <a:spcAft>
+                <a:spcPct val="0"/>
+              </a:spcAft>
+              <a:defRPr>
+                <a:solidFill>
+                  <a:schemeClr val="tx1"/>
+                </a:solidFill>
+                <a:latin typeface="Arial" panose="020B0604020202020204" pitchFamily="34" charset="0"/>
+              </a:defRPr>
+            </a:lvl6pPr>
+            <a:lvl7pPr eaLnBrk="0" fontAlgn="base" hangingPunct="0">
+              <a:spcBef>
+                <a:spcPct val="0"/>
+              </a:spcBef>
+              <a:spcAft>
+                <a:spcPct val="0"/>
+              </a:spcAft>
+              <a:defRPr>
+                <a:solidFill>
+                  <a:schemeClr val="tx1"/>
+                </a:solidFill>
+                <a:latin typeface="Arial" panose="020B0604020202020204" pitchFamily="34" charset="0"/>
+              </a:defRPr>
+            </a:lvl7pPr>
+            <a:lvl8pPr eaLnBrk="0" fontAlgn="base" hangingPunct="0">
+              <a:spcBef>
+                <a:spcPct val="0"/>
+              </a:spcBef>
+              <a:spcAft>
+                <a:spcPct val="0"/>
+              </a:spcAft>
+              <a:defRPr>
+                <a:solidFill>
+                  <a:schemeClr val="tx1"/>
+                </a:solidFill>
+                <a:latin typeface="Arial" panose="020B0604020202020204" pitchFamily="34" charset="0"/>
+              </a:defRPr>
+            </a:lvl8pPr>
+            <a:lvl9pPr eaLnBrk="0" fontAlgn="base" hangingPunct="0">
+              <a:spcBef>
+                <a:spcPct val="0"/>
+              </a:spcBef>
+              <a:spcAft>
+                <a:spcPct val="0"/>
+              </a:spcAft>
+              <a:defRPr>
+                <a:solidFill>
+                  <a:schemeClr val="tx1"/>
+                </a:solidFill>
+                <a:latin typeface="Arial" panose="020B0604020202020204" pitchFamily="34" charset="0"/>
+              </a:defRPr>
+            </a:lvl9pPr>
+          </a:lstStyle>
+          <a:p>
+            <a:pPr marL="0" indent="0" defTabSz="914400" eaLnBrk="0" hangingPunct="0">
+              <a:lnSpc>
+                <a:spcPct val="200000"/>
+              </a:lnSpc>
+              <a:spcBef>
+                <a:spcPct val="0"/>
+              </a:spcBef>
+              <a:buNone/>
+            </a:pPr>
+            <a:r>
+              <a:rPr kumimoji="0" lang="en-US" altLang="en-US" sz="1400" b="0" i="0" u="none" strike="noStrike" cap="none" normalizeH="0" baseline="0" dirty="0" smtClean="0">
+                <a:ln>
+                  <a:noFill/>
+                </a:ln>
+                <a:solidFill>
+                  <a:srgbClr val="777777"/>
+                </a:solidFill>
+                <a:effectLst/>
+                <a:latin typeface="+mn-lt"/>
+                <a:cs typeface="Consolas" panose="020B0609020204030204" pitchFamily="49" charset="0"/>
+              </a:rPr>
+              <a:t>expect(x).</a:t>
+            </a:r>
+            <a:r>
+              <a:rPr kumimoji="0" lang="en-US" altLang="en-US" sz="1400" b="0" i="0" u="none" strike="noStrike" cap="none" normalizeH="0" baseline="0" dirty="0" err="1" smtClean="0">
+                <a:ln>
+                  <a:noFill/>
+                </a:ln>
+                <a:solidFill>
+                  <a:srgbClr val="777777"/>
+                </a:solidFill>
+                <a:effectLst/>
+                <a:latin typeface="+mn-lt"/>
+                <a:cs typeface="Consolas" panose="020B0609020204030204" pitchFamily="49" charset="0"/>
+              </a:rPr>
+              <a:t>toEqual</a:t>
+            </a:r>
+            <a:r>
+              <a:rPr kumimoji="0" lang="en-US" altLang="en-US" sz="1400" b="0" i="0" u="none" strike="noStrike" cap="none" normalizeH="0" baseline="0" dirty="0" smtClean="0">
+                <a:ln>
+                  <a:noFill/>
+                </a:ln>
+                <a:solidFill>
+                  <a:srgbClr val="777777"/>
+                </a:solidFill>
+                <a:effectLst/>
+                <a:latin typeface="+mn-lt"/>
+                <a:cs typeface="Consolas" panose="020B0609020204030204" pitchFamily="49" charset="0"/>
+              </a:rPr>
+              <a:t>(y);</a:t>
+            </a:r>
+            <a:r>
+              <a:rPr kumimoji="0" lang="en-US" altLang="en-US" sz="1400" b="0" i="0" u="none" strike="noStrike" cap="none" normalizeH="0" baseline="0" dirty="0" smtClean="0">
+                <a:ln>
+                  <a:noFill/>
+                </a:ln>
+                <a:solidFill>
+                  <a:srgbClr val="777777"/>
+                </a:solidFill>
+                <a:effectLst/>
+                <a:latin typeface="+mn-lt"/>
+              </a:rPr>
+              <a:t> compares objects or primitives </a:t>
+            </a:r>
+            <a:r>
+              <a:rPr kumimoji="0" lang="en-US" altLang="en-US" sz="1400" b="0" i="0" u="none" strike="noStrike" cap="none" normalizeH="0" baseline="0" dirty="0" smtClean="0">
+                <a:ln>
+                  <a:noFill/>
+                </a:ln>
+                <a:solidFill>
+                  <a:srgbClr val="777777"/>
+                </a:solidFill>
+                <a:effectLst/>
+                <a:latin typeface="+mn-lt"/>
+                <a:cs typeface="Consolas" panose="020B0609020204030204" pitchFamily="49" charset="0"/>
+              </a:rPr>
+              <a:t>x</a:t>
+            </a:r>
+            <a:r>
+              <a:rPr kumimoji="0" lang="en-US" altLang="en-US" sz="1400" b="0" i="0" u="none" strike="noStrike" cap="none" normalizeH="0" baseline="0" dirty="0" smtClean="0">
+                <a:ln>
+                  <a:noFill/>
+                </a:ln>
+                <a:solidFill>
+                  <a:srgbClr val="777777"/>
+                </a:solidFill>
+                <a:effectLst/>
+                <a:latin typeface="+mn-lt"/>
+              </a:rPr>
+              <a:t> and </a:t>
+            </a:r>
+            <a:r>
+              <a:rPr kumimoji="0" lang="en-US" altLang="en-US" sz="1400" b="0" i="0" u="none" strike="noStrike" cap="none" normalizeH="0" baseline="0" dirty="0" smtClean="0">
+                <a:ln>
+                  <a:noFill/>
+                </a:ln>
+                <a:solidFill>
+                  <a:srgbClr val="777777"/>
+                </a:solidFill>
+                <a:effectLst/>
+                <a:latin typeface="+mn-lt"/>
+                <a:cs typeface="Consolas" panose="020B0609020204030204" pitchFamily="49" charset="0"/>
+              </a:rPr>
+              <a:t>y</a:t>
+            </a:r>
+            <a:r>
+              <a:rPr kumimoji="0" lang="en-US" altLang="en-US" sz="1400" b="0" i="0" u="none" strike="noStrike" cap="none" normalizeH="0" baseline="0" dirty="0" smtClean="0">
+                <a:ln>
+                  <a:noFill/>
+                </a:ln>
+                <a:solidFill>
+                  <a:srgbClr val="777777"/>
+                </a:solidFill>
+                <a:effectLst/>
+                <a:latin typeface="+mn-lt"/>
+              </a:rPr>
+              <a:t> and passes if they are equivalent</a:t>
+            </a:r>
+            <a:endParaRPr kumimoji="0" lang="en-US" altLang="en-US" sz="1400" b="0" i="0" u="none" strike="noStrike" cap="none" normalizeH="0" baseline="0" dirty="0" smtClean="0">
+              <a:ln>
+                <a:noFill/>
+              </a:ln>
+              <a:solidFill>
+                <a:schemeClr val="tx1"/>
+              </a:solidFill>
+              <a:effectLst/>
+              <a:latin typeface="+mn-lt"/>
+            </a:endParaRPr>
+          </a:p>
+          <a:p>
+            <a:pPr marL="0" indent="0" defTabSz="914400" eaLnBrk="0" hangingPunct="0">
+              <a:lnSpc>
+                <a:spcPct val="200000"/>
+              </a:lnSpc>
+              <a:spcBef>
+                <a:spcPct val="0"/>
+              </a:spcBef>
+              <a:buNone/>
+            </a:pPr>
+            <a:r>
+              <a:rPr kumimoji="0" lang="en-US" altLang="en-US" sz="1400" b="0" i="0" u="none" strike="noStrike" cap="none" normalizeH="0" baseline="0" dirty="0" smtClean="0">
+                <a:ln>
+                  <a:noFill/>
+                </a:ln>
+                <a:solidFill>
+                  <a:srgbClr val="777777"/>
+                </a:solidFill>
+                <a:effectLst/>
+                <a:latin typeface="+mn-lt"/>
+                <a:cs typeface="Consolas" panose="020B0609020204030204" pitchFamily="49" charset="0"/>
+              </a:rPr>
+              <a:t>expect(x).</a:t>
+            </a:r>
+            <a:r>
+              <a:rPr kumimoji="0" lang="en-US" altLang="en-US" sz="1400" b="0" i="0" u="none" strike="noStrike" cap="none" normalizeH="0" baseline="0" dirty="0" err="1" smtClean="0">
+                <a:ln>
+                  <a:noFill/>
+                </a:ln>
+                <a:solidFill>
+                  <a:srgbClr val="777777"/>
+                </a:solidFill>
+                <a:effectLst/>
+                <a:latin typeface="+mn-lt"/>
+                <a:cs typeface="Consolas" panose="020B0609020204030204" pitchFamily="49" charset="0"/>
+              </a:rPr>
+              <a:t>toBe</a:t>
+            </a:r>
+            <a:r>
+              <a:rPr kumimoji="0" lang="en-US" altLang="en-US" sz="1400" b="0" i="0" u="none" strike="noStrike" cap="none" normalizeH="0" baseline="0" dirty="0" smtClean="0">
+                <a:ln>
+                  <a:noFill/>
+                </a:ln>
+                <a:solidFill>
+                  <a:srgbClr val="777777"/>
+                </a:solidFill>
+                <a:effectLst/>
+                <a:latin typeface="+mn-lt"/>
+                <a:cs typeface="Consolas" panose="020B0609020204030204" pitchFamily="49" charset="0"/>
+              </a:rPr>
+              <a:t>(y);</a:t>
+            </a:r>
+            <a:r>
+              <a:rPr kumimoji="0" lang="en-US" altLang="en-US" sz="1400" b="0" i="0" u="none" strike="noStrike" cap="none" normalizeH="0" baseline="0" dirty="0" smtClean="0">
+                <a:ln>
+                  <a:noFill/>
+                </a:ln>
+                <a:solidFill>
+                  <a:srgbClr val="777777"/>
+                </a:solidFill>
+                <a:effectLst/>
+                <a:latin typeface="+mn-lt"/>
+              </a:rPr>
+              <a:t> compares objects or primitives </a:t>
+            </a:r>
+            <a:r>
+              <a:rPr kumimoji="0" lang="en-US" altLang="en-US" sz="1400" b="0" i="0" u="none" strike="noStrike" cap="none" normalizeH="0" baseline="0" dirty="0" smtClean="0">
+                <a:ln>
+                  <a:noFill/>
+                </a:ln>
+                <a:solidFill>
+                  <a:srgbClr val="777777"/>
+                </a:solidFill>
+                <a:effectLst/>
+                <a:latin typeface="+mn-lt"/>
+                <a:cs typeface="Consolas" panose="020B0609020204030204" pitchFamily="49" charset="0"/>
+              </a:rPr>
+              <a:t>x</a:t>
+            </a:r>
+            <a:r>
+              <a:rPr kumimoji="0" lang="en-US" altLang="en-US" sz="1400" b="0" i="0" u="none" strike="noStrike" cap="none" normalizeH="0" baseline="0" dirty="0" smtClean="0">
+                <a:ln>
+                  <a:noFill/>
+                </a:ln>
+                <a:solidFill>
+                  <a:srgbClr val="777777"/>
+                </a:solidFill>
+                <a:effectLst/>
+                <a:latin typeface="+mn-lt"/>
+              </a:rPr>
+              <a:t> and </a:t>
+            </a:r>
+            <a:r>
+              <a:rPr kumimoji="0" lang="en-US" altLang="en-US" sz="1400" b="0" i="0" u="none" strike="noStrike" cap="none" normalizeH="0" baseline="0" dirty="0" smtClean="0">
+                <a:ln>
+                  <a:noFill/>
+                </a:ln>
+                <a:solidFill>
+                  <a:srgbClr val="777777"/>
+                </a:solidFill>
+                <a:effectLst/>
+                <a:latin typeface="+mn-lt"/>
+                <a:cs typeface="Consolas" panose="020B0609020204030204" pitchFamily="49" charset="0"/>
+              </a:rPr>
+              <a:t>y</a:t>
+            </a:r>
+            <a:r>
+              <a:rPr kumimoji="0" lang="en-US" altLang="en-US" sz="1400" b="0" i="0" u="none" strike="noStrike" cap="none" normalizeH="0" baseline="0" dirty="0" smtClean="0">
+                <a:ln>
+                  <a:noFill/>
+                </a:ln>
+                <a:solidFill>
+                  <a:srgbClr val="777777"/>
+                </a:solidFill>
+                <a:effectLst/>
+                <a:latin typeface="+mn-lt"/>
+              </a:rPr>
+              <a:t> and passes if they are the same object</a:t>
+            </a:r>
+            <a:endParaRPr kumimoji="0" lang="en-US" altLang="en-US" sz="1400" b="0" i="0" u="none" strike="noStrike" cap="none" normalizeH="0" baseline="0" dirty="0" smtClean="0">
+              <a:ln>
+                <a:noFill/>
+              </a:ln>
+              <a:solidFill>
+                <a:schemeClr val="tx1"/>
+              </a:solidFill>
+              <a:effectLst/>
+              <a:latin typeface="+mn-lt"/>
+            </a:endParaRPr>
+          </a:p>
+          <a:p>
+            <a:pPr marL="0" indent="0" defTabSz="914400" eaLnBrk="0" hangingPunct="0">
+              <a:lnSpc>
+                <a:spcPct val="200000"/>
+              </a:lnSpc>
+              <a:spcBef>
+                <a:spcPct val="0"/>
+              </a:spcBef>
+              <a:buNone/>
+            </a:pPr>
+            <a:r>
+              <a:rPr kumimoji="0" lang="en-US" altLang="en-US" sz="1400" b="0" i="0" u="none" strike="noStrike" cap="none" normalizeH="0" baseline="0" dirty="0" smtClean="0">
+                <a:ln>
+                  <a:noFill/>
+                </a:ln>
+                <a:solidFill>
+                  <a:srgbClr val="777777"/>
+                </a:solidFill>
+                <a:effectLst/>
+                <a:latin typeface="+mn-lt"/>
+                <a:cs typeface="Consolas" panose="020B0609020204030204" pitchFamily="49" charset="0"/>
+              </a:rPr>
+              <a:t>expect(x).</a:t>
+            </a:r>
+            <a:r>
+              <a:rPr kumimoji="0" lang="en-US" altLang="en-US" sz="1400" b="0" i="0" u="none" strike="noStrike" cap="none" normalizeH="0" baseline="0" dirty="0" err="1" smtClean="0">
+                <a:ln>
+                  <a:noFill/>
+                </a:ln>
+                <a:solidFill>
+                  <a:srgbClr val="777777"/>
+                </a:solidFill>
+                <a:effectLst/>
+                <a:latin typeface="+mn-lt"/>
+                <a:cs typeface="Consolas" panose="020B0609020204030204" pitchFamily="49" charset="0"/>
+              </a:rPr>
+              <a:t>toMatch</a:t>
+            </a:r>
+            <a:r>
+              <a:rPr kumimoji="0" lang="en-US" altLang="en-US" sz="1400" b="0" i="0" u="none" strike="noStrike" cap="none" normalizeH="0" baseline="0" dirty="0" smtClean="0">
+                <a:ln>
+                  <a:noFill/>
+                </a:ln>
+                <a:solidFill>
+                  <a:srgbClr val="777777"/>
+                </a:solidFill>
+                <a:effectLst/>
+                <a:latin typeface="+mn-lt"/>
+                <a:cs typeface="Consolas" panose="020B0609020204030204" pitchFamily="49" charset="0"/>
+              </a:rPr>
+              <a:t>(pattern);</a:t>
+            </a:r>
+            <a:r>
+              <a:rPr kumimoji="0" lang="en-US" altLang="en-US" sz="1400" b="0" i="0" u="none" strike="noStrike" cap="none" normalizeH="0" baseline="0" dirty="0" smtClean="0">
+                <a:ln>
+                  <a:noFill/>
+                </a:ln>
+                <a:solidFill>
+                  <a:srgbClr val="777777"/>
+                </a:solidFill>
+                <a:effectLst/>
+                <a:latin typeface="+mn-lt"/>
+              </a:rPr>
+              <a:t> compares </a:t>
+            </a:r>
+            <a:r>
+              <a:rPr kumimoji="0" lang="en-US" altLang="en-US" sz="1400" b="0" i="0" u="none" strike="noStrike" cap="none" normalizeH="0" baseline="0" dirty="0" smtClean="0">
+                <a:ln>
+                  <a:noFill/>
+                </a:ln>
+                <a:solidFill>
+                  <a:srgbClr val="777777"/>
+                </a:solidFill>
+                <a:effectLst/>
+                <a:latin typeface="+mn-lt"/>
+                <a:cs typeface="Consolas" panose="020B0609020204030204" pitchFamily="49" charset="0"/>
+              </a:rPr>
+              <a:t>x</a:t>
+            </a:r>
+            <a:r>
+              <a:rPr kumimoji="0" lang="en-US" altLang="en-US" sz="1400" b="0" i="0" u="none" strike="noStrike" cap="none" normalizeH="0" baseline="0" dirty="0" smtClean="0">
+                <a:ln>
+                  <a:noFill/>
+                </a:ln>
+                <a:solidFill>
+                  <a:srgbClr val="777777"/>
+                </a:solidFill>
+                <a:effectLst/>
+                <a:latin typeface="+mn-lt"/>
+              </a:rPr>
+              <a:t> to string or regular </a:t>
+            </a:r>
+            <a:r>
+              <a:rPr kumimoji="0" lang="en-US" altLang="en-US" sz="1400" b="0" i="0" u="none" strike="noStrike" cap="none" normalizeH="0" baseline="0" dirty="0" err="1" smtClean="0">
+                <a:ln>
+                  <a:noFill/>
+                </a:ln>
+                <a:solidFill>
+                  <a:srgbClr val="777777"/>
+                </a:solidFill>
+                <a:effectLst/>
+                <a:latin typeface="+mn-lt"/>
+              </a:rPr>
+              <a:t>expression</a:t>
+            </a:r>
+            <a:r>
+              <a:rPr kumimoji="0" lang="en-US" altLang="en-US" sz="1400" b="0" i="0" u="none" strike="noStrike" cap="none" normalizeH="0" baseline="0" dirty="0" err="1" smtClean="0">
+                <a:ln>
+                  <a:noFill/>
+                </a:ln>
+                <a:solidFill>
+                  <a:srgbClr val="777777"/>
+                </a:solidFill>
+                <a:effectLst/>
+                <a:latin typeface="+mn-lt"/>
+                <a:cs typeface="Consolas" panose="020B0609020204030204" pitchFamily="49" charset="0"/>
+              </a:rPr>
+              <a:t>pattern</a:t>
+            </a:r>
+            <a:r>
+              <a:rPr kumimoji="0" lang="en-US" altLang="en-US" sz="1400" b="0" i="0" u="none" strike="noStrike" cap="none" normalizeH="0" baseline="0" dirty="0" smtClean="0">
+                <a:ln>
+                  <a:noFill/>
+                </a:ln>
+                <a:solidFill>
+                  <a:srgbClr val="777777"/>
+                </a:solidFill>
+                <a:effectLst/>
+                <a:latin typeface="+mn-lt"/>
+              </a:rPr>
+              <a:t> and passes if they match</a:t>
+            </a:r>
+            <a:endParaRPr kumimoji="0" lang="en-US" altLang="en-US" sz="1400" b="0" i="0" u="none" strike="noStrike" cap="none" normalizeH="0" baseline="0" dirty="0" smtClean="0">
+              <a:ln>
+                <a:noFill/>
+              </a:ln>
+              <a:solidFill>
+                <a:schemeClr val="tx1"/>
+              </a:solidFill>
+              <a:effectLst/>
+              <a:latin typeface="+mn-lt"/>
+            </a:endParaRPr>
+          </a:p>
+          <a:p>
+            <a:pPr marL="0" indent="0" defTabSz="914400" eaLnBrk="0" hangingPunct="0">
+              <a:lnSpc>
+                <a:spcPct val="200000"/>
+              </a:lnSpc>
+              <a:spcBef>
+                <a:spcPct val="0"/>
+              </a:spcBef>
+              <a:buNone/>
+            </a:pPr>
+            <a:r>
+              <a:rPr kumimoji="0" lang="en-US" altLang="en-US" sz="1400" b="0" i="0" u="none" strike="noStrike" cap="none" normalizeH="0" baseline="0" dirty="0" smtClean="0">
+                <a:ln>
+                  <a:noFill/>
+                </a:ln>
+                <a:solidFill>
+                  <a:srgbClr val="777777"/>
+                </a:solidFill>
+                <a:effectLst/>
+                <a:latin typeface="+mn-lt"/>
+                <a:cs typeface="Consolas" panose="020B0609020204030204" pitchFamily="49" charset="0"/>
+              </a:rPr>
+              <a:t>expect(x).</a:t>
+            </a:r>
+            <a:r>
+              <a:rPr kumimoji="0" lang="en-US" altLang="en-US" sz="1400" b="0" i="0" u="none" strike="noStrike" cap="none" normalizeH="0" baseline="0" dirty="0" err="1" smtClean="0">
+                <a:ln>
+                  <a:noFill/>
+                </a:ln>
+                <a:solidFill>
+                  <a:srgbClr val="777777"/>
+                </a:solidFill>
+                <a:effectLst/>
+                <a:latin typeface="+mn-lt"/>
+                <a:cs typeface="Consolas" panose="020B0609020204030204" pitchFamily="49" charset="0"/>
+              </a:rPr>
+              <a:t>toBeDefined</a:t>
+            </a:r>
+            <a:r>
+              <a:rPr kumimoji="0" lang="en-US" altLang="en-US" sz="1400" b="0" i="0" u="none" strike="noStrike" cap="none" normalizeH="0" baseline="0" dirty="0" smtClean="0">
+                <a:ln>
+                  <a:noFill/>
+                </a:ln>
+                <a:solidFill>
+                  <a:srgbClr val="777777"/>
+                </a:solidFill>
+                <a:effectLst/>
+                <a:latin typeface="+mn-lt"/>
+                <a:cs typeface="Consolas" panose="020B0609020204030204" pitchFamily="49" charset="0"/>
+              </a:rPr>
+              <a:t>();</a:t>
+            </a:r>
+            <a:r>
+              <a:rPr kumimoji="0" lang="en-US" altLang="en-US" sz="1400" b="0" i="0" u="none" strike="noStrike" cap="none" normalizeH="0" baseline="0" dirty="0" smtClean="0">
+                <a:ln>
+                  <a:noFill/>
+                </a:ln>
+                <a:solidFill>
+                  <a:srgbClr val="777777"/>
+                </a:solidFill>
+                <a:effectLst/>
+                <a:latin typeface="+mn-lt"/>
+              </a:rPr>
+              <a:t> passes if </a:t>
+            </a:r>
+            <a:r>
+              <a:rPr kumimoji="0" lang="en-US" altLang="en-US" sz="1400" b="0" i="0" u="none" strike="noStrike" cap="none" normalizeH="0" baseline="0" dirty="0" smtClean="0">
+                <a:ln>
+                  <a:noFill/>
+                </a:ln>
+                <a:solidFill>
+                  <a:srgbClr val="777777"/>
+                </a:solidFill>
+                <a:effectLst/>
+                <a:latin typeface="+mn-lt"/>
+                <a:cs typeface="Consolas" panose="020B0609020204030204" pitchFamily="49" charset="0"/>
+              </a:rPr>
+              <a:t>x</a:t>
+            </a:r>
+            <a:r>
+              <a:rPr kumimoji="0" lang="en-US" altLang="en-US" sz="1400" b="0" i="0" u="none" strike="noStrike" cap="none" normalizeH="0" baseline="0" dirty="0" smtClean="0">
+                <a:ln>
+                  <a:noFill/>
+                </a:ln>
+                <a:solidFill>
+                  <a:srgbClr val="777777"/>
+                </a:solidFill>
+                <a:effectLst/>
+                <a:latin typeface="+mn-lt"/>
+              </a:rPr>
+              <a:t> is not </a:t>
+            </a:r>
+            <a:r>
+              <a:rPr kumimoji="0" lang="en-US" altLang="en-US" sz="1400" b="0" i="0" u="none" strike="noStrike" cap="none" normalizeH="0" baseline="0" dirty="0" smtClean="0">
+                <a:ln>
+                  <a:noFill/>
+                </a:ln>
+                <a:solidFill>
+                  <a:srgbClr val="777777"/>
+                </a:solidFill>
+                <a:effectLst/>
+                <a:latin typeface="+mn-lt"/>
+                <a:cs typeface="Consolas" panose="020B0609020204030204" pitchFamily="49" charset="0"/>
+              </a:rPr>
+              <a:t>undefined</a:t>
+            </a:r>
+            <a:endParaRPr kumimoji="0" lang="en-US" altLang="en-US" sz="1400" b="0" i="0" u="none" strike="noStrike" cap="none" normalizeH="0" baseline="0" dirty="0" smtClean="0">
+              <a:ln>
+                <a:noFill/>
+              </a:ln>
+              <a:solidFill>
+                <a:schemeClr val="tx1"/>
+              </a:solidFill>
+              <a:effectLst/>
+              <a:latin typeface="+mn-lt"/>
+            </a:endParaRPr>
+          </a:p>
+          <a:p>
+            <a:pPr marL="0" indent="0" defTabSz="914400" eaLnBrk="0" hangingPunct="0">
+              <a:lnSpc>
+                <a:spcPct val="200000"/>
+              </a:lnSpc>
+              <a:spcBef>
+                <a:spcPct val="0"/>
+              </a:spcBef>
+              <a:buNone/>
+            </a:pPr>
+            <a:r>
+              <a:rPr kumimoji="0" lang="en-US" altLang="en-US" sz="1400" b="0" i="0" u="none" strike="noStrike" cap="none" normalizeH="0" baseline="0" dirty="0" smtClean="0">
+                <a:ln>
+                  <a:noFill/>
+                </a:ln>
+                <a:solidFill>
+                  <a:srgbClr val="777777"/>
+                </a:solidFill>
+                <a:effectLst/>
+                <a:latin typeface="+mn-lt"/>
+                <a:cs typeface="Consolas" panose="020B0609020204030204" pitchFamily="49" charset="0"/>
+              </a:rPr>
+              <a:t>expect(x).</a:t>
+            </a:r>
+            <a:r>
+              <a:rPr kumimoji="0" lang="en-US" altLang="en-US" sz="1400" b="0" i="0" u="none" strike="noStrike" cap="none" normalizeH="0" baseline="0" dirty="0" err="1" smtClean="0">
+                <a:ln>
+                  <a:noFill/>
+                </a:ln>
+                <a:solidFill>
+                  <a:srgbClr val="777777"/>
+                </a:solidFill>
+                <a:effectLst/>
+                <a:latin typeface="+mn-lt"/>
+                <a:cs typeface="Consolas" panose="020B0609020204030204" pitchFamily="49" charset="0"/>
+              </a:rPr>
+              <a:t>toBeUndefined</a:t>
+            </a:r>
+            <a:r>
+              <a:rPr kumimoji="0" lang="en-US" altLang="en-US" sz="1400" b="0" i="0" u="none" strike="noStrike" cap="none" normalizeH="0" baseline="0" dirty="0" smtClean="0">
+                <a:ln>
+                  <a:noFill/>
+                </a:ln>
+                <a:solidFill>
+                  <a:srgbClr val="777777"/>
+                </a:solidFill>
+                <a:effectLst/>
+                <a:latin typeface="+mn-lt"/>
+                <a:cs typeface="Consolas" panose="020B0609020204030204" pitchFamily="49" charset="0"/>
+              </a:rPr>
+              <a:t>();</a:t>
+            </a:r>
+            <a:r>
+              <a:rPr kumimoji="0" lang="en-US" altLang="en-US" sz="1400" b="0" i="0" u="none" strike="noStrike" cap="none" normalizeH="0" baseline="0" dirty="0" smtClean="0">
+                <a:ln>
+                  <a:noFill/>
+                </a:ln>
+                <a:solidFill>
+                  <a:srgbClr val="777777"/>
+                </a:solidFill>
+                <a:effectLst/>
+                <a:latin typeface="+mn-lt"/>
+              </a:rPr>
+              <a:t> passes if </a:t>
+            </a:r>
+            <a:r>
+              <a:rPr kumimoji="0" lang="en-US" altLang="en-US" sz="1400" b="0" i="0" u="none" strike="noStrike" cap="none" normalizeH="0" baseline="0" dirty="0" smtClean="0">
+                <a:ln>
+                  <a:noFill/>
+                </a:ln>
+                <a:solidFill>
+                  <a:srgbClr val="777777"/>
+                </a:solidFill>
+                <a:effectLst/>
+                <a:latin typeface="+mn-lt"/>
+                <a:cs typeface="Consolas" panose="020B0609020204030204" pitchFamily="49" charset="0"/>
+              </a:rPr>
+              <a:t>x</a:t>
+            </a:r>
+            <a:r>
+              <a:rPr kumimoji="0" lang="en-US" altLang="en-US" sz="1400" b="0" i="0" u="none" strike="noStrike" cap="none" normalizeH="0" baseline="0" dirty="0" smtClean="0">
+                <a:ln>
+                  <a:noFill/>
+                </a:ln>
+                <a:solidFill>
+                  <a:srgbClr val="777777"/>
+                </a:solidFill>
+                <a:effectLst/>
+                <a:latin typeface="+mn-lt"/>
+              </a:rPr>
+              <a:t> is </a:t>
+            </a:r>
+            <a:r>
+              <a:rPr kumimoji="0" lang="en-US" altLang="en-US" sz="1400" b="0" i="0" u="none" strike="noStrike" cap="none" normalizeH="0" baseline="0" dirty="0" smtClean="0">
+                <a:ln>
+                  <a:noFill/>
+                </a:ln>
+                <a:solidFill>
+                  <a:srgbClr val="777777"/>
+                </a:solidFill>
+                <a:effectLst/>
+                <a:latin typeface="+mn-lt"/>
+                <a:cs typeface="Consolas" panose="020B0609020204030204" pitchFamily="49" charset="0"/>
+              </a:rPr>
+              <a:t>undefined</a:t>
+            </a:r>
+            <a:endParaRPr kumimoji="0" lang="en-US" altLang="en-US" sz="1400" b="0" i="0" u="none" strike="noStrike" cap="none" normalizeH="0" baseline="0" dirty="0" smtClean="0">
+              <a:ln>
+                <a:noFill/>
+              </a:ln>
+              <a:solidFill>
+                <a:schemeClr val="tx1"/>
+              </a:solidFill>
+              <a:effectLst/>
+              <a:latin typeface="+mn-lt"/>
+            </a:endParaRPr>
+          </a:p>
+          <a:p>
+            <a:pPr marL="0" indent="0" defTabSz="914400" eaLnBrk="0" hangingPunct="0">
+              <a:lnSpc>
+                <a:spcPct val="200000"/>
+              </a:lnSpc>
+              <a:spcBef>
+                <a:spcPct val="0"/>
+              </a:spcBef>
+              <a:buNone/>
+            </a:pPr>
+            <a:r>
+              <a:rPr kumimoji="0" lang="en-US" altLang="en-US" sz="1400" b="0" i="0" u="none" strike="noStrike" cap="none" normalizeH="0" baseline="0" dirty="0" smtClean="0">
+                <a:ln>
+                  <a:noFill/>
+                </a:ln>
+                <a:solidFill>
+                  <a:srgbClr val="777777"/>
+                </a:solidFill>
+                <a:effectLst/>
+                <a:latin typeface="+mn-lt"/>
+                <a:cs typeface="Consolas" panose="020B0609020204030204" pitchFamily="49" charset="0"/>
+              </a:rPr>
+              <a:t>expect(x).</a:t>
+            </a:r>
+            <a:r>
+              <a:rPr kumimoji="0" lang="en-US" altLang="en-US" sz="1400" b="0" i="0" u="none" strike="noStrike" cap="none" normalizeH="0" baseline="0" dirty="0" err="1" smtClean="0">
+                <a:ln>
+                  <a:noFill/>
+                </a:ln>
+                <a:solidFill>
+                  <a:srgbClr val="777777"/>
+                </a:solidFill>
+                <a:effectLst/>
+                <a:latin typeface="+mn-lt"/>
+                <a:cs typeface="Consolas" panose="020B0609020204030204" pitchFamily="49" charset="0"/>
+              </a:rPr>
+              <a:t>toBeNull</a:t>
+            </a:r>
+            <a:r>
+              <a:rPr kumimoji="0" lang="en-US" altLang="en-US" sz="1400" b="0" i="0" u="none" strike="noStrike" cap="none" normalizeH="0" baseline="0" dirty="0" smtClean="0">
+                <a:ln>
+                  <a:noFill/>
+                </a:ln>
+                <a:solidFill>
+                  <a:srgbClr val="777777"/>
+                </a:solidFill>
+                <a:effectLst/>
+                <a:latin typeface="+mn-lt"/>
+                <a:cs typeface="Consolas" panose="020B0609020204030204" pitchFamily="49" charset="0"/>
+              </a:rPr>
+              <a:t>();</a:t>
+            </a:r>
+            <a:r>
+              <a:rPr kumimoji="0" lang="en-US" altLang="en-US" sz="1400" b="0" i="0" u="none" strike="noStrike" cap="none" normalizeH="0" baseline="0" dirty="0" smtClean="0">
+                <a:ln>
+                  <a:noFill/>
+                </a:ln>
+                <a:solidFill>
+                  <a:srgbClr val="777777"/>
+                </a:solidFill>
+                <a:effectLst/>
+                <a:latin typeface="+mn-lt"/>
+              </a:rPr>
+              <a:t> passes if </a:t>
+            </a:r>
+            <a:r>
+              <a:rPr kumimoji="0" lang="en-US" altLang="en-US" sz="1400" b="0" i="0" u="none" strike="noStrike" cap="none" normalizeH="0" baseline="0" dirty="0" smtClean="0">
+                <a:ln>
+                  <a:noFill/>
+                </a:ln>
+                <a:solidFill>
+                  <a:srgbClr val="777777"/>
+                </a:solidFill>
+                <a:effectLst/>
+                <a:latin typeface="+mn-lt"/>
+                <a:cs typeface="Consolas" panose="020B0609020204030204" pitchFamily="49" charset="0"/>
+              </a:rPr>
+              <a:t>x</a:t>
+            </a:r>
+            <a:r>
+              <a:rPr kumimoji="0" lang="en-US" altLang="en-US" sz="1400" b="0" i="0" u="none" strike="noStrike" cap="none" normalizeH="0" baseline="0" dirty="0" smtClean="0">
+                <a:ln>
+                  <a:noFill/>
+                </a:ln>
+                <a:solidFill>
+                  <a:srgbClr val="777777"/>
+                </a:solidFill>
+                <a:effectLst/>
+                <a:latin typeface="+mn-lt"/>
+              </a:rPr>
+              <a:t> is </a:t>
+            </a:r>
+            <a:r>
+              <a:rPr kumimoji="0" lang="en-US" altLang="en-US" sz="1400" b="0" i="0" u="none" strike="noStrike" cap="none" normalizeH="0" baseline="0" dirty="0" smtClean="0">
+                <a:ln>
+                  <a:noFill/>
+                </a:ln>
+                <a:solidFill>
+                  <a:srgbClr val="777777"/>
+                </a:solidFill>
+                <a:effectLst/>
+                <a:latin typeface="+mn-lt"/>
+                <a:cs typeface="Consolas" panose="020B0609020204030204" pitchFamily="49" charset="0"/>
+              </a:rPr>
+              <a:t>null</a:t>
+            </a:r>
+            <a:endParaRPr kumimoji="0" lang="en-US" altLang="en-US" sz="1400" b="0" i="0" u="none" strike="noStrike" cap="none" normalizeH="0" baseline="0" dirty="0" smtClean="0">
+              <a:ln>
+                <a:noFill/>
+              </a:ln>
+              <a:solidFill>
+                <a:schemeClr val="tx1"/>
+              </a:solidFill>
+              <a:effectLst/>
+              <a:latin typeface="+mn-lt"/>
+            </a:endParaRPr>
+          </a:p>
+          <a:p>
+            <a:pPr marL="0" indent="0" defTabSz="914400" eaLnBrk="0" hangingPunct="0">
+              <a:lnSpc>
+                <a:spcPct val="200000"/>
+              </a:lnSpc>
+              <a:spcBef>
+                <a:spcPct val="0"/>
+              </a:spcBef>
+              <a:buNone/>
+            </a:pPr>
+            <a:r>
+              <a:rPr kumimoji="0" lang="en-US" altLang="en-US" sz="1400" b="0" i="0" u="none" strike="noStrike" cap="none" normalizeH="0" baseline="0" dirty="0" smtClean="0">
+                <a:ln>
+                  <a:noFill/>
+                </a:ln>
+                <a:solidFill>
+                  <a:srgbClr val="777777"/>
+                </a:solidFill>
+                <a:effectLst/>
+                <a:latin typeface="+mn-lt"/>
+                <a:cs typeface="Consolas" panose="020B0609020204030204" pitchFamily="49" charset="0"/>
+              </a:rPr>
+              <a:t>expect(x).</a:t>
+            </a:r>
+            <a:r>
+              <a:rPr kumimoji="0" lang="en-US" altLang="en-US" sz="1400" b="0" i="0" u="none" strike="noStrike" cap="none" normalizeH="0" baseline="0" dirty="0" err="1" smtClean="0">
+                <a:ln>
+                  <a:noFill/>
+                </a:ln>
+                <a:solidFill>
+                  <a:srgbClr val="777777"/>
+                </a:solidFill>
+                <a:effectLst/>
+                <a:latin typeface="+mn-lt"/>
+                <a:cs typeface="Consolas" panose="020B0609020204030204" pitchFamily="49" charset="0"/>
+              </a:rPr>
+              <a:t>toBeTruthy</a:t>
+            </a:r>
+            <a:r>
+              <a:rPr kumimoji="0" lang="en-US" altLang="en-US" sz="1400" b="0" i="0" u="none" strike="noStrike" cap="none" normalizeH="0" baseline="0" dirty="0" smtClean="0">
+                <a:ln>
+                  <a:noFill/>
+                </a:ln>
+                <a:solidFill>
+                  <a:srgbClr val="777777"/>
+                </a:solidFill>
+                <a:effectLst/>
+                <a:latin typeface="+mn-lt"/>
+                <a:cs typeface="Consolas" panose="020B0609020204030204" pitchFamily="49" charset="0"/>
+              </a:rPr>
+              <a:t>();</a:t>
+            </a:r>
+            <a:r>
+              <a:rPr kumimoji="0" lang="en-US" altLang="en-US" sz="1400" b="0" i="0" u="none" strike="noStrike" cap="none" normalizeH="0" baseline="0" dirty="0" smtClean="0">
+                <a:ln>
+                  <a:noFill/>
+                </a:ln>
+                <a:solidFill>
+                  <a:srgbClr val="777777"/>
+                </a:solidFill>
+                <a:effectLst/>
+                <a:latin typeface="+mn-lt"/>
+              </a:rPr>
+              <a:t> passes if </a:t>
+            </a:r>
+            <a:r>
+              <a:rPr kumimoji="0" lang="en-US" altLang="en-US" sz="1400" b="0" i="0" u="none" strike="noStrike" cap="none" normalizeH="0" baseline="0" dirty="0" smtClean="0">
+                <a:ln>
+                  <a:noFill/>
+                </a:ln>
+                <a:solidFill>
+                  <a:srgbClr val="777777"/>
+                </a:solidFill>
+                <a:effectLst/>
+                <a:latin typeface="+mn-lt"/>
+                <a:cs typeface="Consolas" panose="020B0609020204030204" pitchFamily="49" charset="0"/>
+              </a:rPr>
+              <a:t>x</a:t>
+            </a:r>
+            <a:r>
+              <a:rPr kumimoji="0" lang="en-US" altLang="en-US" sz="1400" b="0" i="0" u="none" strike="noStrike" cap="none" normalizeH="0" baseline="0" dirty="0" smtClean="0">
+                <a:ln>
+                  <a:noFill/>
+                </a:ln>
+                <a:solidFill>
+                  <a:srgbClr val="777777"/>
+                </a:solidFill>
+                <a:effectLst/>
+                <a:latin typeface="+mn-lt"/>
+              </a:rPr>
+              <a:t> evaluates to true</a:t>
+            </a:r>
+            <a:endParaRPr kumimoji="0" lang="en-US" altLang="en-US" sz="1400" b="0" i="0" u="none" strike="noStrike" cap="none" normalizeH="0" baseline="0" dirty="0" smtClean="0">
+              <a:ln>
+                <a:noFill/>
+              </a:ln>
+              <a:solidFill>
+                <a:schemeClr val="tx1"/>
+              </a:solidFill>
+              <a:effectLst/>
+              <a:latin typeface="+mn-lt"/>
+            </a:endParaRPr>
+          </a:p>
+          <a:p>
+            <a:pPr marL="0" indent="0" defTabSz="914400" eaLnBrk="0" hangingPunct="0">
+              <a:lnSpc>
+                <a:spcPct val="200000"/>
+              </a:lnSpc>
+              <a:spcBef>
+                <a:spcPct val="0"/>
+              </a:spcBef>
+              <a:buNone/>
+            </a:pPr>
+            <a:r>
+              <a:rPr kumimoji="0" lang="en-US" altLang="en-US" sz="1400" b="0" i="0" u="none" strike="noStrike" cap="none" normalizeH="0" baseline="0" dirty="0" smtClean="0">
+                <a:ln>
+                  <a:noFill/>
+                </a:ln>
+                <a:solidFill>
+                  <a:srgbClr val="777777"/>
+                </a:solidFill>
+                <a:effectLst/>
+                <a:latin typeface="+mn-lt"/>
+                <a:cs typeface="Consolas" panose="020B0609020204030204" pitchFamily="49" charset="0"/>
+              </a:rPr>
+              <a:t>expect(x).</a:t>
+            </a:r>
+            <a:r>
+              <a:rPr kumimoji="0" lang="en-US" altLang="en-US" sz="1400" b="0" i="0" u="none" strike="noStrike" cap="none" normalizeH="0" baseline="0" dirty="0" err="1" smtClean="0">
+                <a:ln>
+                  <a:noFill/>
+                </a:ln>
+                <a:solidFill>
+                  <a:srgbClr val="777777"/>
+                </a:solidFill>
+                <a:effectLst/>
+                <a:latin typeface="+mn-lt"/>
+                <a:cs typeface="Consolas" panose="020B0609020204030204" pitchFamily="49" charset="0"/>
+              </a:rPr>
+              <a:t>toBeFalsy</a:t>
+            </a:r>
+            <a:r>
+              <a:rPr kumimoji="0" lang="en-US" altLang="en-US" sz="1400" b="0" i="0" u="none" strike="noStrike" cap="none" normalizeH="0" baseline="0" dirty="0" smtClean="0">
+                <a:ln>
+                  <a:noFill/>
+                </a:ln>
+                <a:solidFill>
+                  <a:srgbClr val="777777"/>
+                </a:solidFill>
+                <a:effectLst/>
+                <a:latin typeface="+mn-lt"/>
+                <a:cs typeface="Consolas" panose="020B0609020204030204" pitchFamily="49" charset="0"/>
+              </a:rPr>
+              <a:t>();</a:t>
+            </a:r>
+            <a:r>
+              <a:rPr kumimoji="0" lang="en-US" altLang="en-US" sz="1400" b="0" i="0" u="none" strike="noStrike" cap="none" normalizeH="0" baseline="0" dirty="0" smtClean="0">
+                <a:ln>
+                  <a:noFill/>
+                </a:ln>
+                <a:solidFill>
+                  <a:srgbClr val="777777"/>
+                </a:solidFill>
+                <a:effectLst/>
+                <a:latin typeface="+mn-lt"/>
+              </a:rPr>
+              <a:t> passes if </a:t>
+            </a:r>
+            <a:r>
+              <a:rPr kumimoji="0" lang="en-US" altLang="en-US" sz="1400" b="0" i="0" u="none" strike="noStrike" cap="none" normalizeH="0" baseline="0" dirty="0" smtClean="0">
+                <a:ln>
+                  <a:noFill/>
+                </a:ln>
+                <a:solidFill>
+                  <a:srgbClr val="777777"/>
+                </a:solidFill>
+                <a:effectLst/>
+                <a:latin typeface="+mn-lt"/>
+                <a:cs typeface="Consolas" panose="020B0609020204030204" pitchFamily="49" charset="0"/>
+              </a:rPr>
+              <a:t>x</a:t>
+            </a:r>
+            <a:r>
+              <a:rPr kumimoji="0" lang="en-US" altLang="en-US" sz="1400" b="0" i="0" u="none" strike="noStrike" cap="none" normalizeH="0" baseline="0" dirty="0" smtClean="0">
+                <a:ln>
+                  <a:noFill/>
+                </a:ln>
+                <a:solidFill>
+                  <a:srgbClr val="777777"/>
+                </a:solidFill>
+                <a:effectLst/>
+                <a:latin typeface="+mn-lt"/>
+              </a:rPr>
+              <a:t> evaluates to false</a:t>
+            </a:r>
+            <a:endParaRPr kumimoji="0" lang="en-US" altLang="en-US" sz="1400" b="0" i="0" u="none" strike="noStrike" cap="none" normalizeH="0" baseline="0" dirty="0" smtClean="0">
+              <a:ln>
+                <a:noFill/>
+              </a:ln>
+              <a:solidFill>
+                <a:schemeClr val="tx1"/>
+              </a:solidFill>
+              <a:effectLst/>
+              <a:latin typeface="+mn-lt"/>
+            </a:endParaRPr>
+          </a:p>
+          <a:p>
+            <a:pPr marL="0" indent="0" defTabSz="914400" eaLnBrk="0" hangingPunct="0">
+              <a:lnSpc>
+                <a:spcPct val="200000"/>
+              </a:lnSpc>
+              <a:spcBef>
+                <a:spcPct val="0"/>
+              </a:spcBef>
+              <a:buNone/>
+            </a:pPr>
+            <a:r>
+              <a:rPr kumimoji="0" lang="en-US" altLang="en-US" sz="1400" b="0" i="0" u="none" strike="noStrike" cap="none" normalizeH="0" baseline="0" dirty="0" smtClean="0">
+                <a:ln>
+                  <a:noFill/>
+                </a:ln>
+                <a:solidFill>
+                  <a:srgbClr val="777777"/>
+                </a:solidFill>
+                <a:effectLst/>
+                <a:latin typeface="+mn-lt"/>
+                <a:cs typeface="Consolas" panose="020B0609020204030204" pitchFamily="49" charset="0"/>
+              </a:rPr>
+              <a:t>expect(x).</a:t>
+            </a:r>
+            <a:r>
+              <a:rPr kumimoji="0" lang="en-US" altLang="en-US" sz="1400" b="0" i="0" u="none" strike="noStrike" cap="none" normalizeH="0" baseline="0" dirty="0" err="1" smtClean="0">
+                <a:ln>
+                  <a:noFill/>
+                </a:ln>
+                <a:solidFill>
+                  <a:srgbClr val="777777"/>
+                </a:solidFill>
+                <a:effectLst/>
+                <a:latin typeface="+mn-lt"/>
+                <a:cs typeface="Consolas" panose="020B0609020204030204" pitchFamily="49" charset="0"/>
+              </a:rPr>
+              <a:t>toContain</a:t>
+            </a:r>
+            <a:r>
+              <a:rPr kumimoji="0" lang="en-US" altLang="en-US" sz="1400" b="0" i="0" u="none" strike="noStrike" cap="none" normalizeH="0" baseline="0" dirty="0" smtClean="0">
+                <a:ln>
+                  <a:noFill/>
+                </a:ln>
+                <a:solidFill>
+                  <a:srgbClr val="777777"/>
+                </a:solidFill>
+                <a:effectLst/>
+                <a:latin typeface="+mn-lt"/>
+                <a:cs typeface="Consolas" panose="020B0609020204030204" pitchFamily="49" charset="0"/>
+              </a:rPr>
+              <a:t>(y);</a:t>
+            </a:r>
+            <a:r>
+              <a:rPr kumimoji="0" lang="en-US" altLang="en-US" sz="1400" b="0" i="0" u="none" strike="noStrike" cap="none" normalizeH="0" baseline="0" dirty="0" smtClean="0">
+                <a:ln>
+                  <a:noFill/>
+                </a:ln>
+                <a:solidFill>
+                  <a:srgbClr val="777777"/>
+                </a:solidFill>
+                <a:effectLst/>
+                <a:latin typeface="+mn-lt"/>
+              </a:rPr>
+              <a:t> passes if array or string </a:t>
+            </a:r>
+            <a:r>
+              <a:rPr kumimoji="0" lang="en-US" altLang="en-US" sz="1400" b="0" i="0" u="none" strike="noStrike" cap="none" normalizeH="0" baseline="0" dirty="0" smtClean="0">
+                <a:ln>
+                  <a:noFill/>
+                </a:ln>
+                <a:solidFill>
+                  <a:srgbClr val="777777"/>
+                </a:solidFill>
+                <a:effectLst/>
+                <a:latin typeface="+mn-lt"/>
+                <a:cs typeface="Consolas" panose="020B0609020204030204" pitchFamily="49" charset="0"/>
+              </a:rPr>
+              <a:t>x</a:t>
+            </a:r>
+            <a:r>
+              <a:rPr kumimoji="0" lang="en-US" altLang="en-US" sz="1400" b="0" i="0" u="none" strike="noStrike" cap="none" normalizeH="0" baseline="0" dirty="0" smtClean="0">
+                <a:ln>
+                  <a:noFill/>
+                </a:ln>
+                <a:solidFill>
+                  <a:srgbClr val="777777"/>
+                </a:solidFill>
+                <a:effectLst/>
+                <a:latin typeface="+mn-lt"/>
+              </a:rPr>
+              <a:t> contains </a:t>
+            </a:r>
+            <a:r>
+              <a:rPr kumimoji="0" lang="en-US" altLang="en-US" sz="1400" b="0" i="0" u="none" strike="noStrike" cap="none" normalizeH="0" baseline="0" dirty="0" smtClean="0">
+                <a:ln>
+                  <a:noFill/>
+                </a:ln>
+                <a:solidFill>
+                  <a:srgbClr val="777777"/>
+                </a:solidFill>
+                <a:effectLst/>
+                <a:latin typeface="+mn-lt"/>
+                <a:cs typeface="Consolas" panose="020B0609020204030204" pitchFamily="49" charset="0"/>
+              </a:rPr>
+              <a:t>y</a:t>
+            </a:r>
+            <a:endParaRPr kumimoji="0" lang="en-US" altLang="en-US" sz="1400" b="0" i="0" u="none" strike="noStrike" cap="none" normalizeH="0" baseline="0" dirty="0" smtClean="0">
+              <a:ln>
+                <a:noFill/>
+              </a:ln>
+              <a:solidFill>
+                <a:schemeClr val="tx1"/>
+              </a:solidFill>
+              <a:effectLst/>
+              <a:latin typeface="+mn-lt"/>
+            </a:endParaRPr>
+          </a:p>
+          <a:p>
+            <a:pPr marL="0" indent="0" defTabSz="914400" eaLnBrk="0" hangingPunct="0">
+              <a:lnSpc>
+                <a:spcPct val="200000"/>
+              </a:lnSpc>
+              <a:spcBef>
+                <a:spcPct val="0"/>
+              </a:spcBef>
+              <a:buNone/>
+            </a:pPr>
+            <a:r>
+              <a:rPr kumimoji="0" lang="en-US" altLang="en-US" sz="1400" b="0" i="0" u="none" strike="noStrike" cap="none" normalizeH="0" baseline="0" dirty="0" smtClean="0">
+                <a:ln>
+                  <a:noFill/>
+                </a:ln>
+                <a:solidFill>
+                  <a:srgbClr val="777777"/>
+                </a:solidFill>
+                <a:effectLst/>
+                <a:latin typeface="+mn-lt"/>
+                <a:cs typeface="Consolas" panose="020B0609020204030204" pitchFamily="49" charset="0"/>
+              </a:rPr>
+              <a:t>expect(x).</a:t>
+            </a:r>
+            <a:r>
+              <a:rPr kumimoji="0" lang="en-US" altLang="en-US" sz="1400" b="0" i="0" u="none" strike="noStrike" cap="none" normalizeH="0" baseline="0" dirty="0" err="1" smtClean="0">
+                <a:ln>
+                  <a:noFill/>
+                </a:ln>
+                <a:solidFill>
+                  <a:srgbClr val="777777"/>
+                </a:solidFill>
+                <a:effectLst/>
+                <a:latin typeface="+mn-lt"/>
+                <a:cs typeface="Consolas" panose="020B0609020204030204" pitchFamily="49" charset="0"/>
+              </a:rPr>
+              <a:t>toBeLessThan</a:t>
+            </a:r>
+            <a:r>
+              <a:rPr kumimoji="0" lang="en-US" altLang="en-US" sz="1400" b="0" i="0" u="none" strike="noStrike" cap="none" normalizeH="0" baseline="0" dirty="0" smtClean="0">
+                <a:ln>
+                  <a:noFill/>
+                </a:ln>
+                <a:solidFill>
+                  <a:srgbClr val="777777"/>
+                </a:solidFill>
+                <a:effectLst/>
+                <a:latin typeface="+mn-lt"/>
+                <a:cs typeface="Consolas" panose="020B0609020204030204" pitchFamily="49" charset="0"/>
+              </a:rPr>
+              <a:t>(y);</a:t>
+            </a:r>
+            <a:r>
+              <a:rPr kumimoji="0" lang="en-US" altLang="en-US" sz="1400" b="0" i="0" u="none" strike="noStrike" cap="none" normalizeH="0" baseline="0" dirty="0" smtClean="0">
+                <a:ln>
+                  <a:noFill/>
+                </a:ln>
+                <a:solidFill>
+                  <a:srgbClr val="777777"/>
+                </a:solidFill>
+                <a:effectLst/>
+                <a:latin typeface="+mn-lt"/>
+              </a:rPr>
+              <a:t> passes if </a:t>
+            </a:r>
+            <a:r>
+              <a:rPr kumimoji="0" lang="en-US" altLang="en-US" sz="1400" b="0" i="0" u="none" strike="noStrike" cap="none" normalizeH="0" baseline="0" dirty="0" smtClean="0">
+                <a:ln>
+                  <a:noFill/>
+                </a:ln>
+                <a:solidFill>
+                  <a:srgbClr val="777777"/>
+                </a:solidFill>
+                <a:effectLst/>
+                <a:latin typeface="+mn-lt"/>
+                <a:cs typeface="Consolas" panose="020B0609020204030204" pitchFamily="49" charset="0"/>
+              </a:rPr>
+              <a:t>x</a:t>
+            </a:r>
+            <a:r>
+              <a:rPr kumimoji="0" lang="en-US" altLang="en-US" sz="1400" b="0" i="0" u="none" strike="noStrike" cap="none" normalizeH="0" baseline="0" dirty="0" smtClean="0">
+                <a:ln>
+                  <a:noFill/>
+                </a:ln>
+                <a:solidFill>
+                  <a:srgbClr val="777777"/>
+                </a:solidFill>
+                <a:effectLst/>
+                <a:latin typeface="+mn-lt"/>
+              </a:rPr>
+              <a:t> is less than </a:t>
+            </a:r>
+            <a:r>
+              <a:rPr kumimoji="0" lang="en-US" altLang="en-US" sz="1400" b="0" i="0" u="none" strike="noStrike" cap="none" normalizeH="0" baseline="0" dirty="0" smtClean="0">
+                <a:ln>
+                  <a:noFill/>
+                </a:ln>
+                <a:solidFill>
+                  <a:srgbClr val="777777"/>
+                </a:solidFill>
+                <a:effectLst/>
+                <a:latin typeface="+mn-lt"/>
+                <a:cs typeface="Consolas" panose="020B0609020204030204" pitchFamily="49" charset="0"/>
+              </a:rPr>
+              <a:t>y</a:t>
+            </a:r>
+            <a:endParaRPr kumimoji="0" lang="en-US" altLang="en-US" sz="1400" b="0" i="0" u="none" strike="noStrike" cap="none" normalizeH="0" baseline="0" dirty="0" smtClean="0">
+              <a:ln>
+                <a:noFill/>
+              </a:ln>
+              <a:solidFill>
+                <a:schemeClr val="tx1"/>
+              </a:solidFill>
+              <a:effectLst/>
+              <a:latin typeface="+mn-lt"/>
+            </a:endParaRPr>
+          </a:p>
+          <a:p>
+            <a:pPr marL="0" indent="0" defTabSz="914400" eaLnBrk="0" hangingPunct="0">
+              <a:lnSpc>
+                <a:spcPct val="200000"/>
+              </a:lnSpc>
+              <a:spcBef>
+                <a:spcPct val="0"/>
+              </a:spcBef>
+              <a:buNone/>
+            </a:pPr>
+            <a:r>
+              <a:rPr kumimoji="0" lang="en-US" altLang="en-US" sz="1400" b="0" i="0" u="none" strike="noStrike" cap="none" normalizeH="0" baseline="0" dirty="0" smtClean="0">
+                <a:ln>
+                  <a:noFill/>
+                </a:ln>
+                <a:solidFill>
+                  <a:srgbClr val="777777"/>
+                </a:solidFill>
+                <a:effectLst/>
+                <a:latin typeface="+mn-lt"/>
+                <a:cs typeface="Consolas" panose="020B0609020204030204" pitchFamily="49" charset="0"/>
+              </a:rPr>
+              <a:t>expect(x).</a:t>
+            </a:r>
+            <a:r>
+              <a:rPr kumimoji="0" lang="en-US" altLang="en-US" sz="1400" b="0" i="0" u="none" strike="noStrike" cap="none" normalizeH="0" baseline="0" dirty="0" err="1" smtClean="0">
+                <a:ln>
+                  <a:noFill/>
+                </a:ln>
+                <a:solidFill>
+                  <a:srgbClr val="777777"/>
+                </a:solidFill>
+                <a:effectLst/>
+                <a:latin typeface="+mn-lt"/>
+                <a:cs typeface="Consolas" panose="020B0609020204030204" pitchFamily="49" charset="0"/>
+              </a:rPr>
+              <a:t>toBeGreaterThan</a:t>
+            </a:r>
+            <a:r>
+              <a:rPr kumimoji="0" lang="en-US" altLang="en-US" sz="1400" b="0" i="0" u="none" strike="noStrike" cap="none" normalizeH="0" baseline="0" dirty="0" smtClean="0">
+                <a:ln>
+                  <a:noFill/>
+                </a:ln>
+                <a:solidFill>
+                  <a:srgbClr val="777777"/>
+                </a:solidFill>
+                <a:effectLst/>
+                <a:latin typeface="+mn-lt"/>
+                <a:cs typeface="Consolas" panose="020B0609020204030204" pitchFamily="49" charset="0"/>
+              </a:rPr>
+              <a:t>(y);</a:t>
+            </a:r>
+            <a:r>
+              <a:rPr kumimoji="0" lang="en-US" altLang="en-US" sz="1400" b="0" i="0" u="none" strike="noStrike" cap="none" normalizeH="0" baseline="0" dirty="0" smtClean="0">
+                <a:ln>
+                  <a:noFill/>
+                </a:ln>
+                <a:solidFill>
+                  <a:srgbClr val="777777"/>
+                </a:solidFill>
+                <a:effectLst/>
+                <a:latin typeface="+mn-lt"/>
+              </a:rPr>
+              <a:t> passes if </a:t>
+            </a:r>
+            <a:r>
+              <a:rPr kumimoji="0" lang="en-US" altLang="en-US" sz="1400" b="0" i="0" u="none" strike="noStrike" cap="none" normalizeH="0" baseline="0" dirty="0" smtClean="0">
+                <a:ln>
+                  <a:noFill/>
+                </a:ln>
+                <a:solidFill>
+                  <a:srgbClr val="777777"/>
+                </a:solidFill>
+                <a:effectLst/>
+                <a:latin typeface="+mn-lt"/>
+                <a:cs typeface="Consolas" panose="020B0609020204030204" pitchFamily="49" charset="0"/>
+              </a:rPr>
+              <a:t>x</a:t>
+            </a:r>
+            <a:r>
+              <a:rPr kumimoji="0" lang="en-US" altLang="en-US" sz="1400" b="0" i="0" u="none" strike="noStrike" cap="none" normalizeH="0" baseline="0" dirty="0" smtClean="0">
+                <a:ln>
+                  <a:noFill/>
+                </a:ln>
+                <a:solidFill>
+                  <a:srgbClr val="777777"/>
+                </a:solidFill>
+                <a:effectLst/>
+                <a:latin typeface="+mn-lt"/>
+              </a:rPr>
+              <a:t> is greater than </a:t>
+            </a:r>
+            <a:r>
+              <a:rPr kumimoji="0" lang="en-US" altLang="en-US" sz="1400" b="0" i="0" u="none" strike="noStrike" cap="none" normalizeH="0" baseline="0" dirty="0" smtClean="0">
+                <a:ln>
+                  <a:noFill/>
+                </a:ln>
+                <a:solidFill>
+                  <a:srgbClr val="777777"/>
+                </a:solidFill>
+                <a:effectLst/>
+                <a:latin typeface="+mn-lt"/>
+                <a:cs typeface="Consolas" panose="020B0609020204030204" pitchFamily="49" charset="0"/>
+              </a:rPr>
+              <a:t>y</a:t>
+            </a:r>
+            <a:endParaRPr kumimoji="0" lang="en-US" altLang="en-US" sz="1400" b="0" i="0" u="none" strike="noStrike" cap="none" normalizeH="0" baseline="0" dirty="0" smtClean="0">
+              <a:ln>
+                <a:noFill/>
+              </a:ln>
+              <a:solidFill>
+                <a:schemeClr val="tx1"/>
+              </a:solidFill>
+              <a:effectLst/>
+              <a:latin typeface="+mn-lt"/>
+            </a:endParaRPr>
+          </a:p>
+          <a:p>
+            <a:pPr marL="0" indent="0" defTabSz="914400" eaLnBrk="0" hangingPunct="0">
+              <a:lnSpc>
+                <a:spcPct val="200000"/>
+              </a:lnSpc>
+              <a:spcBef>
+                <a:spcPct val="0"/>
+              </a:spcBef>
+              <a:buNone/>
+            </a:pPr>
+            <a:r>
+              <a:rPr kumimoji="0" lang="en-US" altLang="en-US" sz="1400" b="0" i="0" u="none" strike="noStrike" cap="none" normalizeH="0" baseline="0" dirty="0" smtClean="0">
+                <a:ln>
+                  <a:noFill/>
+                </a:ln>
+                <a:solidFill>
+                  <a:srgbClr val="777777"/>
+                </a:solidFill>
+                <a:effectLst/>
+                <a:latin typeface="+mn-lt"/>
+                <a:cs typeface="Consolas" panose="020B0609020204030204" pitchFamily="49" charset="0"/>
+              </a:rPr>
+              <a:t>expect(function(){</a:t>
+            </a:r>
+            <a:r>
+              <a:rPr kumimoji="0" lang="en-US" altLang="en-US" sz="1400" b="0" i="0" u="none" strike="noStrike" cap="none" normalizeH="0" baseline="0" dirty="0" err="1" smtClean="0">
+                <a:ln>
+                  <a:noFill/>
+                </a:ln>
+                <a:solidFill>
+                  <a:srgbClr val="777777"/>
+                </a:solidFill>
+                <a:effectLst/>
+                <a:latin typeface="+mn-lt"/>
+                <a:cs typeface="Consolas" panose="020B0609020204030204" pitchFamily="49" charset="0"/>
+              </a:rPr>
+              <a:t>fn</a:t>
+            </a:r>
+            <a:r>
+              <a:rPr kumimoji="0" lang="en-US" altLang="en-US" sz="1400" b="0" i="0" u="none" strike="noStrike" cap="none" normalizeH="0" baseline="0" dirty="0" smtClean="0">
+                <a:ln>
+                  <a:noFill/>
+                </a:ln>
+                <a:solidFill>
+                  <a:srgbClr val="777777"/>
+                </a:solidFill>
+                <a:effectLst/>
+                <a:latin typeface="+mn-lt"/>
+                <a:cs typeface="Consolas" panose="020B0609020204030204" pitchFamily="49" charset="0"/>
+              </a:rPr>
+              <a:t>();}).</a:t>
+            </a:r>
+            <a:r>
+              <a:rPr kumimoji="0" lang="en-US" altLang="en-US" sz="1400" b="0" i="0" u="none" strike="noStrike" cap="none" normalizeH="0" baseline="0" dirty="0" err="1" smtClean="0">
+                <a:ln>
+                  <a:noFill/>
+                </a:ln>
+                <a:solidFill>
+                  <a:srgbClr val="777777"/>
+                </a:solidFill>
+                <a:effectLst/>
+                <a:latin typeface="+mn-lt"/>
+                <a:cs typeface="Consolas" panose="020B0609020204030204" pitchFamily="49" charset="0"/>
+              </a:rPr>
+              <a:t>toThrow</a:t>
+            </a:r>
+            <a:r>
+              <a:rPr kumimoji="0" lang="en-US" altLang="en-US" sz="1400" b="0" i="0" u="none" strike="noStrike" cap="none" normalizeH="0" baseline="0" dirty="0" smtClean="0">
+                <a:ln>
+                  <a:noFill/>
+                </a:ln>
+                <a:solidFill>
+                  <a:srgbClr val="777777"/>
+                </a:solidFill>
+                <a:effectLst/>
+                <a:latin typeface="+mn-lt"/>
+                <a:cs typeface="Consolas" panose="020B0609020204030204" pitchFamily="49" charset="0"/>
+              </a:rPr>
+              <a:t>(e);</a:t>
+            </a:r>
+            <a:r>
+              <a:rPr kumimoji="0" lang="en-US" altLang="en-US" sz="1400" b="0" i="0" u="none" strike="noStrike" cap="none" normalizeH="0" baseline="0" dirty="0" smtClean="0">
+                <a:ln>
+                  <a:noFill/>
+                </a:ln>
+                <a:solidFill>
+                  <a:srgbClr val="777777"/>
+                </a:solidFill>
+                <a:effectLst/>
+                <a:latin typeface="+mn-lt"/>
+              </a:rPr>
+              <a:t> passes if function </a:t>
+            </a:r>
+            <a:r>
+              <a:rPr kumimoji="0" lang="en-US" altLang="en-US" sz="1400" b="0" i="0" u="none" strike="noStrike" cap="none" normalizeH="0" baseline="0" dirty="0" err="1" smtClean="0">
+                <a:ln>
+                  <a:noFill/>
+                </a:ln>
+                <a:solidFill>
+                  <a:srgbClr val="777777"/>
+                </a:solidFill>
+                <a:effectLst/>
+                <a:latin typeface="+mn-lt"/>
+                <a:cs typeface="Consolas" panose="020B0609020204030204" pitchFamily="49" charset="0"/>
+              </a:rPr>
+              <a:t>fn</a:t>
+            </a:r>
+            <a:r>
+              <a:rPr kumimoji="0" lang="en-US" altLang="en-US" sz="1400" b="0" i="0" u="none" strike="noStrike" cap="none" normalizeH="0" baseline="0" dirty="0" smtClean="0">
+                <a:ln>
+                  <a:noFill/>
+                </a:ln>
+                <a:solidFill>
+                  <a:srgbClr val="777777"/>
+                </a:solidFill>
+                <a:effectLst/>
+                <a:latin typeface="+mn-lt"/>
+              </a:rPr>
+              <a:t> throws exception </a:t>
+            </a:r>
+            <a:r>
+              <a:rPr kumimoji="0" lang="en-US" altLang="en-US" sz="1400" b="0" i="0" u="none" strike="noStrike" cap="none" normalizeH="0" baseline="0" dirty="0" smtClean="0">
+                <a:ln>
+                  <a:noFill/>
+                </a:ln>
+                <a:solidFill>
+                  <a:srgbClr val="777777"/>
+                </a:solidFill>
+                <a:effectLst/>
+                <a:latin typeface="+mn-lt"/>
+                <a:cs typeface="Consolas" panose="020B0609020204030204" pitchFamily="49" charset="0"/>
+              </a:rPr>
+              <a:t>e</a:t>
+            </a:r>
+            <a:r>
+              <a:rPr kumimoji="0" lang="en-US" altLang="en-US" sz="1400" b="0" i="0" u="none" strike="noStrike" cap="none" normalizeH="0" baseline="0" dirty="0" smtClean="0">
+                <a:ln>
+                  <a:noFill/>
+                </a:ln>
+                <a:solidFill>
+                  <a:srgbClr val="777777"/>
+                </a:solidFill>
+                <a:effectLst/>
+                <a:latin typeface="+mn-lt"/>
+              </a:rPr>
+              <a:t> when executed</a:t>
+            </a:r>
+            <a:endParaRPr kumimoji="0" lang="en-US" altLang="en-US" sz="1400" b="0" i="0" u="none" strike="noStrike" cap="none" normalizeH="0" baseline="0" dirty="0" smtClean="0">
+              <a:ln>
+                <a:noFill/>
+              </a:ln>
+              <a:solidFill>
+                <a:schemeClr val="tx1"/>
+              </a:solidFill>
+              <a:effectLst/>
+              <a:latin typeface="+mn-lt"/>
+            </a:endParaRPr>
+          </a:p>
+        </p:txBody>
+      </p:sp>
+    </p:spTree>
+    <p:extLst>
+      <p:ext uri="{BB962C8B-B14F-4D97-AF65-F5344CB8AC3E}">
+        <p14:creationId xmlns:p14="http://schemas.microsoft.com/office/powerpoint/2010/main" val="4164980993"/>
+      </p:ext>
+    </p:extLst>
+  </p:cSld>
+  <p:clrMapOvr>
+    <a:masterClrMapping/>
+  </p:clrMapOvr>
+  <p:transition>
+    <p:fade/>
+  </p:transition>
+  <p:timing>
+    <p:tnLst>
+      <p:par>
+        <p:cTn id="1" dur="indefinite" restart="never" nodeType="tmRoot"/>
+      </p:par>
+    </p:tnLst>
+  </p:timing>
+</p:sld>
+</file>
+
+<file path=ppt/slides/slide7.xml><?xml version="1.0" encoding="utf-8"?>
+<p:sld xmlns:a="http://schemas.openxmlformats.org/drawingml/2006/main" xmlns:r="http://schemas.openxmlformats.org/officeDocument/2006/relationships" xmlns:p="http://schemas.openxmlformats.org/presentationml/2006/main">
+  <p:cSld>
+    <p:spTree>
+      <p:nvGrpSpPr>
+        <p:cNvPr id="1" name=""/>
+        <p:cNvGrpSpPr/>
+        <p:nvPr/>
+      </p:nvGrpSpPr>
+      <p:grpSpPr>
+        <a:xfrm>
+          <a:off x="0" y="0"/>
+          <a:ext cx="0" cy="0"/>
+          <a:chOff x="0" y="0"/>
+          <a:chExt cx="0" cy="0"/>
+        </a:xfrm>
+      </p:grpSpPr>
+      <p:sp>
+        <p:nvSpPr>
+          <p:cNvPr id="2" name="Title 1"/>
+          <p:cNvSpPr>
+            <a:spLocks noGrp="1"/>
+          </p:cNvSpPr>
+          <p:nvPr>
+            <p:ph type="title"/>
+          </p:nvPr>
+        </p:nvSpPr>
+        <p:spPr/>
+        <p:txBody>
+          <a:bodyPr/>
+          <a:lstStyle/>
+          <a:p>
+            <a:r>
+              <a:rPr lang="en-US" dirty="0" smtClean="0"/>
               <a:t>Help</a:t>
             </a:r>
             <a:endParaRPr lang="en-US" dirty="0"/>
@@ -3230,15 +6226,25 @@
             <a:pPr lvl="1"/>
             <a:r>
               <a:rPr lang="en-US" dirty="0" smtClean="0"/>
-              <a:t>Bootstrap modules</a:t>
-            </a:r>
+              <a:t>Bootstrap </a:t>
+            </a:r>
+            <a:r>
+              <a:rPr lang="en-US" dirty="0" smtClean="0"/>
+              <a:t>modules (module)</a:t>
+            </a:r>
+            <a:endParaRPr lang="en-US" dirty="0" smtClean="0"/>
           </a:p>
           <a:p>
             <a:pPr lvl="1"/>
             <a:r>
               <a:rPr lang="en-US" dirty="0" smtClean="0"/>
-              <a:t>Test friendly injector method</a:t>
-            </a:r>
+              <a:t>Test friendly injector </a:t>
+            </a:r>
+            <a:r>
+              <a:rPr lang="en-US" dirty="0" smtClean="0"/>
+              <a:t>method (inject)</a:t>
+            </a:r>
+            <a:endParaRPr lang="en-US" dirty="0" smtClean="0"/>
           </a:p>
           <a:p>
             <a:pPr lvl="1"/>
@@ -3309,10 +6315,17 @@
   <p:transition>
     <p:fade/>
   </p:transition>
+  <p:timing>
+    <p:tnLst>
+      <p:par>
+        <p:cTn id="1" dur="indefinite" restart="never" nodeType="tmRoot"/>
+      </p:par>
+    </p:tnLst>
+  </p:timing>
 </p:sld>
 </file>
 
-<file path=ppt/slides/slide6.xml><?xml version="1.0" encoding="utf-8"?>
+<file path=ppt/slides/slide8.xml><?xml version="1.0" encoding="utf-8"?>
 <p:sld xmlns:a="http://schemas.openxmlformats.org/drawingml/2006/main" xmlns:r="http://schemas.openxmlformats.org/officeDocument/2006/relationships" xmlns:p="http://schemas.openxmlformats.org/presentationml/2006/main">
   <p:cSld>
     <p:spTree>
@@ -3434,10 +6447,17 @@
   <p:transition>
     <p:fade/>
   </p:transition>
+  <p:timing>
+    <p:tnLst>
+      <p:par>
+        <p:cTn id="1" dur="indefinite" restart="never" nodeType="tmRoot"/>
+      </p:par>
+    </p:tnLst>
+  </p:timing>
 </p:sld>
 </file>
 
-<file path=ppt/slides/slide7.xml><?xml version="1.0" encoding="utf-8"?>
+<file path=ppt/slides/slide9.xml><?xml version="1.0" encoding="utf-8"?>
 <p:sld xmlns:a="http://schemas.openxmlformats.org/drawingml/2006/main" xmlns:r="http://schemas.openxmlformats.org/officeDocument/2006/relationships" xmlns:p="http://schemas.openxmlformats.org/presentationml/2006/main">
   <p:cSld>
     <p:spTree>
@@ -3566,267 +6586,13 @@
   <p:transition>
     <p:fade/>
   </p:transition>
-</p:sld>
-</file>
-
-<file path=ppt/slides/slide8.xml><?xml version="1.0" encoding="utf-8"?>
-<p:sld xmlns:a="http://schemas.openxmlformats.org/drawingml/2006/main" xmlns:r="http://schemas.openxmlformats.org/officeDocument/2006/relationships" xmlns:p="http://schemas.openxmlformats.org/presentationml/2006/main">
-  <p:cSld>
-    <p:spTree>
-      <p:nvGrpSpPr>
-        <p:cNvPr id="1" name=""/>
-        <p:cNvGrpSpPr/>
-        <p:nvPr/>
-      </p:nvGrpSpPr>
-      <p:grpSpPr>
-        <a:xfrm>
-          <a:off x="0" y="0"/>
-          <a:ext cx="0" cy="0"/>
-          <a:chOff x="0" y="0"/>
-          <a:chExt cx="0" cy="0"/>
-        </a:xfrm>
-      </p:grpSpPr>
-      <p:sp>
-        <p:nvSpPr>
-          <p:cNvPr id="2" name="Title 1"/>
-          <p:cNvSpPr>
-            <a:spLocks noGrp="1"/>
-          </p:cNvSpPr>
-          <p:nvPr>
-            <p:ph type="title"/>
-          </p:nvPr>
-        </p:nvSpPr>
-        <p:spPr/>
-        <p:txBody>
-          <a:bodyPr/>
-          <a:lstStyle/>
-          <a:p>
-            <a:r>
-              <a:rPr lang="en-US" dirty="0" smtClean="0"/>
-              <a:t>Working With Promises</a:t>
-            </a:r>
-            <a:endParaRPr lang="en-US" dirty="0"/>
-          </a:p>
-        </p:txBody>
-      </p:sp>
-      <p:sp>
-        <p:nvSpPr>
-          <p:cNvPr id="3" name="Text Placeholder 2"/>
-          <p:cNvSpPr>
-            <a:spLocks noGrp="1"/>
-          </p:cNvSpPr>
-          <p:nvPr>
-            <p:ph type="body" idx="1"/>
-          </p:nvPr>
-        </p:nvSpPr>
-        <p:spPr/>
-        <p:txBody>
-          <a:bodyPr/>
-          <a:lstStyle/>
-          <a:p>
-            <a:r>
-              <a:rPr lang="en-US" dirty="0" smtClean="0"/>
-              <a:t>Often easiest to create promises with $q</a:t>
-            </a:r>
-          </a:p>
-          <a:p>
-            <a:pPr lvl="1"/>
-            <a:r>
-              <a:rPr lang="en-US" dirty="0" smtClean="0"/>
-              <a:t>Return “controlled” promise from a spy, mock, or fake</a:t>
-            </a:r>
-            <a:endParaRPr lang="en-US" dirty="0"/>
-          </a:p>
-        </p:txBody>
-      </p:sp>
-      <p:pic>
-        <p:nvPicPr>
-          <p:cNvPr id="4" name="Picture 3"/>
-          <p:cNvPicPr>
-            <a:picLocks noChangeAspect="1"/>
-          </p:cNvPicPr>
-          <p:nvPr/>
-        </p:nvPicPr>
-        <p:blipFill>
-          <a:blip r:embed="rId2">
-            <a:extLst>
-              <a:ext uri="{BEBA8EAE-BF5A-486C-A8C5-ECC9F3942E4B}">
-                <a14:imgProps xmlns:a14="http://schemas.microsoft.com/office/drawing/2010/main">
-                  <a14:imgLayer r:embed="rId3">
-                    <a14:imgEffect>
-                      <a14:colorTemperature colorTemp="11200"/>
-                    </a14:imgEffect>
-                  </a14:imgLayer>
-                </a14:imgProps>
-              </a:ext>
-            </a:extLst>
-          </a:blip>
-          <a:stretch>
-            <a:fillRect/>
-          </a:stretch>
-        </p:blipFill>
-        <p:spPr>
-          <a:xfrm>
-            <a:off x="1066800" y="2819400"/>
-            <a:ext cx="6096000" cy="2543175"/>
-          </a:xfrm>
-          <a:prstGeom prst="rect">
-            <a:avLst/>
-          </a:prstGeom>
-          <a:ln>
-            <a:noFill/>
-          </a:ln>
-          <a:effectLst>
-            <a:outerShdw blurRad="292100" dist="139700" dir="2700000" algn="tl" rotWithShape="0">
-              <a:srgbClr val="333333">
-                <a:alpha val="65000"/>
-              </a:srgbClr>
-            </a:outerShdw>
-          </a:effectLst>
-        </p:spPr>
-      </p:pic>
-    </p:spTree>
-    <p:extLst>
-      <p:ext uri="{BB962C8B-B14F-4D97-AF65-F5344CB8AC3E}">
-        <p14:creationId xmlns:p14="http://schemas.microsoft.com/office/powerpoint/2010/main" val="3389046627"/>
-      </p:ext>
-    </p:extLst>
-  </p:cSld>
-  <p:clrMapOvr>
-    <a:masterClrMapping/>
-  </p:clrMapOvr>
-  <p:transition>
-    <p:fade/>
-  </p:transition>
-</p:sld>
-</file>
-
-<file path=ppt/slides/slide9.xml><?xml version="1.0" encoding="utf-8"?>
-<p:sld xmlns:a="http://schemas.openxmlformats.org/drawingml/2006/main" xmlns:r="http://schemas.openxmlformats.org/officeDocument/2006/relationships" xmlns:p="http://schemas.openxmlformats.org/presentationml/2006/main">
-  <p:cSld>
-    <p:spTree>
-      <p:nvGrpSpPr>
-        <p:cNvPr id="1" name=""/>
-        <p:cNvGrpSpPr/>
-        <p:nvPr/>
-      </p:nvGrpSpPr>
-      <p:grpSpPr>
-        <a:xfrm>
-          <a:off x="0" y="0"/>
-          <a:ext cx="0" cy="0"/>
-          <a:chOff x="0" y="0"/>
-          <a:chExt cx="0" cy="0"/>
-        </a:xfrm>
-      </p:grpSpPr>
-      <p:sp>
-        <p:nvSpPr>
-          <p:cNvPr id="2" name="Title 1"/>
-          <p:cNvSpPr>
-            <a:spLocks noGrp="1"/>
-          </p:cNvSpPr>
-          <p:nvPr>
-            <p:ph type="title"/>
-          </p:nvPr>
-        </p:nvSpPr>
-        <p:spPr/>
-        <p:txBody>
-          <a:bodyPr/>
-          <a:lstStyle/>
-          <a:p>
-            <a:r>
-              <a:rPr lang="en-US" dirty="0" smtClean="0"/>
-              <a:t>Testing HTTP Interaction</a:t>
-            </a:r>
-            <a:endParaRPr lang="en-US" dirty="0"/>
-          </a:p>
-        </p:txBody>
-      </p:sp>
-      <p:sp>
-        <p:nvSpPr>
-          <p:cNvPr id="3" name="Text Placeholder 2"/>
-          <p:cNvSpPr>
-            <a:spLocks noGrp="1"/>
-          </p:cNvSpPr>
-          <p:nvPr>
-            <p:ph type="body" idx="1"/>
-          </p:nvPr>
-        </p:nvSpPr>
-        <p:spPr/>
-        <p:txBody>
-          <a:bodyPr/>
-          <a:lstStyle/>
-          <a:p>
-            <a:r>
-              <a:rPr lang="en-US" dirty="0" smtClean="0"/>
-              <a:t>Use $</a:t>
-            </a:r>
-            <a:r>
-              <a:rPr lang="en-US" dirty="0" err="1" smtClean="0"/>
-              <a:t>httpBackend</a:t>
-            </a:r>
-            <a:endParaRPr lang="en-US" dirty="0"/>
-          </a:p>
-        </p:txBody>
-      </p:sp>
-      <p:pic>
-        <p:nvPicPr>
-          <p:cNvPr id="4" name="Picture 3"/>
-          <p:cNvPicPr>
-            <a:picLocks noChangeAspect="1"/>
-          </p:cNvPicPr>
-          <p:nvPr/>
-        </p:nvPicPr>
-        <p:blipFill>
-          <a:blip r:embed="rId2">
-            <a:extLst>
-              <a:ext uri="{BEBA8EAE-BF5A-486C-A8C5-ECC9F3942E4B}">
-                <a14:imgProps xmlns:a14="http://schemas.microsoft.com/office/drawing/2010/main">
-                  <a14:imgLayer r:embed="rId3">
-                    <a14:imgEffect>
-                      <a14:colorTemperature colorTemp="11200"/>
-                    </a14:imgEffect>
-                  </a14:imgLayer>
-                </a14:imgProps>
-              </a:ext>
-            </a:extLst>
-          </a:blip>
-          <a:stretch>
-            <a:fillRect/>
-          </a:stretch>
-        </p:blipFill>
-        <p:spPr>
-          <a:xfrm>
-            <a:off x="795337" y="2362200"/>
-            <a:ext cx="7553325" cy="3267075"/>
-          </a:xfrm>
-          <a:prstGeom prst="rect">
-            <a:avLst/>
-          </a:prstGeom>
-          <a:ln>
-            <a:noFill/>
-          </a:ln>
-          <a:effectLst>
-            <a:outerShdw blurRad="292100" dist="139700" dir="2700000" algn="tl" rotWithShape="0">
-              <a:srgbClr val="333333">
-                <a:alpha val="65000"/>
-              </a:srgbClr>
-            </a:outerShdw>
-          </a:effectLst>
-        </p:spPr>
-      </p:pic>
-    </p:spTree>
-    <p:extLst>
-      <p:ext uri="{BB962C8B-B14F-4D97-AF65-F5344CB8AC3E}">
-        <p14:creationId xmlns:p14="http://schemas.microsoft.com/office/powerpoint/2010/main" val="2871511654"/>
-      </p:ext>
-    </p:extLst>
-  </p:cSld>
-  <p:clrMapOvr>
-    <a:masterClrMapping/>
-  </p:clrMapOvr>
-  <p:transition>
-    <p:fade/>
-  </p:transition>
+  <p:timing>
+    <p:tnLst>
+      <p:par>
+        <p:cTn id="1" dur="indefinite" restart="never" nodeType="tmRoot"/>
+      </p:par>
+    </p:tnLst>
+  </p:timing>
 </p:sld>
 </file>
 
